--- a/Summer2023/BUS243/lecture_note/lecture2.pptx
+++ b/Summer2023/BUS243/lecture_note/lecture2.pptx
@@ -23,12 +23,13 @@
     <p:sldId id="271" r:id="rId17"/>
     <p:sldId id="272" r:id="rId18"/>
     <p:sldId id="273" r:id="rId19"/>
-    <p:sldId id="274" r:id="rId20"/>
-    <p:sldId id="275" r:id="rId21"/>
-    <p:sldId id="276" r:id="rId22"/>
-    <p:sldId id="277" r:id="rId23"/>
-    <p:sldId id="278" r:id="rId24"/>
-    <p:sldId id="279" r:id="rId25"/>
+    <p:sldId id="280" r:id="rId20"/>
+    <p:sldId id="274" r:id="rId21"/>
+    <p:sldId id="275" r:id="rId22"/>
+    <p:sldId id="276" r:id="rId23"/>
+    <p:sldId id="277" r:id="rId24"/>
+    <p:sldId id="278" r:id="rId25"/>
+    <p:sldId id="279" r:id="rId26"/>
   </p:sldIdLst>
   <p:sldSz cx="12192000" cy="6858000"/>
   <p:notesSz cx="6858000" cy="9144000"/>
@@ -636,7 +637,7 @@
           <a:p>
             <a:fld id="{3CADBD16-5BFB-4D9F-9646-C75D1B53BBB6}" type="datetimeFigureOut">
               <a:rPr lang="en-US" smtClean="0"/>
-              <a:t>5/29/23</a:t>
+              <a:t>6/8/23</a:t>
             </a:fld>
             <a:endParaRPr lang="en-US"/>
           </a:p>
@@ -814,7 +815,7 @@
             <a:fld id="{3CADBD16-5BFB-4D9F-9646-C75D1B53BBB6}" type="datetimeFigureOut">
               <a:rPr lang="en-US" smtClean="0"/>
               <a:pPr/>
-              <a:t>5/29/23</a:t>
+              <a:t>6/8/23</a:t>
             </a:fld>
             <a:endParaRPr lang="en-US" dirty="0"/>
           </a:p>
@@ -996,7 +997,7 @@
             <a:fld id="{3CADBD16-5BFB-4D9F-9646-C75D1B53BBB6}" type="datetimeFigureOut">
               <a:rPr lang="en-US" smtClean="0"/>
               <a:pPr/>
-              <a:t>5/29/23</a:t>
+              <a:t>6/8/23</a:t>
             </a:fld>
             <a:endParaRPr lang="en-US" dirty="0"/>
           </a:p>
@@ -1168,7 +1169,7 @@
             <a:fld id="{3CADBD16-5BFB-4D9F-9646-C75D1B53BBB6}" type="datetimeFigureOut">
               <a:rPr lang="en-US" smtClean="0"/>
               <a:pPr/>
-              <a:t>5/29/23</a:t>
+              <a:t>6/8/23</a:t>
             </a:fld>
             <a:endParaRPr lang="en-US" dirty="0"/>
           </a:p>
@@ -1490,7 +1491,7 @@
           <a:p>
             <a:fld id="{3CADBD16-5BFB-4D9F-9646-C75D1B53BBB6}" type="datetimeFigureOut">
               <a:rPr lang="en-US" smtClean="0"/>
-              <a:t>5/29/23</a:t>
+              <a:t>6/8/23</a:t>
             </a:fld>
             <a:endParaRPr lang="en-US"/>
           </a:p>
@@ -1951,7 +1952,7 @@
             <a:fld id="{3CADBD16-5BFB-4D9F-9646-C75D1B53BBB6}" type="datetimeFigureOut">
               <a:rPr lang="en-US" smtClean="0"/>
               <a:pPr/>
-              <a:t>5/29/23</a:t>
+              <a:t>6/8/23</a:t>
             </a:fld>
             <a:endParaRPr lang="en-US" dirty="0"/>
           </a:p>
@@ -2364,7 +2365,7 @@
             <a:fld id="{3CADBD16-5BFB-4D9F-9646-C75D1B53BBB6}" type="datetimeFigureOut">
               <a:rPr lang="en-US" smtClean="0"/>
               <a:pPr/>
-              <a:t>5/29/23</a:t>
+              <a:t>6/8/23</a:t>
             </a:fld>
             <a:endParaRPr lang="en-US" dirty="0"/>
           </a:p>
@@ -2483,7 +2484,7 @@
           <a:p>
             <a:fld id="{3CADBD16-5BFB-4D9F-9646-C75D1B53BBB6}" type="datetimeFigureOut">
               <a:rPr lang="en-US" smtClean="0"/>
-              <a:t>5/29/23</a:t>
+              <a:t>6/8/23</a:t>
             </a:fld>
             <a:endParaRPr lang="en-US"/>
           </a:p>
@@ -2600,7 +2601,7 @@
           <a:p>
             <a:fld id="{3CADBD16-5BFB-4D9F-9646-C75D1B53BBB6}" type="datetimeFigureOut">
               <a:rPr lang="en-US" smtClean="0"/>
-              <a:t>5/29/23</a:t>
+              <a:t>6/8/23</a:t>
             </a:fld>
             <a:endParaRPr lang="en-US"/>
           </a:p>
@@ -2959,7 +2960,7 @@
             <a:fld id="{3CADBD16-5BFB-4D9F-9646-C75D1B53BBB6}" type="datetimeFigureOut">
               <a:rPr lang="en-US" smtClean="0"/>
               <a:pPr/>
-              <a:t>5/29/23</a:t>
+              <a:t>6/8/23</a:t>
             </a:fld>
             <a:endParaRPr lang="en-US" dirty="0"/>
           </a:p>
@@ -3468,7 +3469,7 @@
             <a:fld id="{3CADBD16-5BFB-4D9F-9646-C75D1B53BBB6}" type="datetimeFigureOut">
               <a:rPr lang="en-US" smtClean="0"/>
               <a:pPr/>
-              <a:t>5/29/23</a:t>
+              <a:t>6/8/23</a:t>
             </a:fld>
             <a:endParaRPr lang="en-US" dirty="0"/>
           </a:p>
@@ -3825,7 +3826,7 @@
             <a:fld id="{3CADBD16-5BFB-4D9F-9646-C75D1B53BBB6}" type="datetimeFigureOut">
               <a:rPr lang="en-US" smtClean="0"/>
               <a:pPr/>
-              <a:t>5/29/23</a:t>
+              <a:t>6/8/23</a:t>
             </a:fld>
             <a:endParaRPr lang="en-US" dirty="0"/>
           </a:p>
@@ -6305,8 +6306,8 @@
           </a:p>
         </p:txBody>
       </p:sp>
-      <mc:AlternateContent xmlns:mc="http://schemas.openxmlformats.org/markup-compatibility/2006">
-        <mc:Choice xmlns:a14="http://schemas.microsoft.com/office/drawing/2010/main" Requires="a14">
+      <mc:AlternateContent xmlns:mc="http://schemas.openxmlformats.org/markup-compatibility/2006" xmlns:a14="http://schemas.microsoft.com/office/drawing/2010/main">
+        <mc:Choice Requires="a14">
           <p:sp>
             <p:nvSpPr>
               <p:cNvPr id="3" name="Content Placeholder 2">
@@ -6409,7 +6410,7 @@
             </p:txBody>
           </p:sp>
         </mc:Choice>
-        <mc:Fallback>
+        <mc:Fallback xmlns="">
           <p:sp>
             <p:nvSpPr>
               <p:cNvPr id="3" name="Content Placeholder 2">
@@ -7500,12 +7501,6 @@
               <a:t>Doc 3: We can see the shining sun the bright sun</a:t>
             </a:r>
           </a:p>
-          <a:p>
-            <a:r>
-              <a:rPr lang="en-US" sz="3000" dirty="0"/>
-              <a:t>How many docs did each term appear in?</a:t>
-            </a:r>
-          </a:p>
         </p:txBody>
       </p:sp>
     </p:spTree>
@@ -7538,73 +7533,39 @@
           <a:chExt cx="0" cy="0"/>
         </a:xfrm>
       </p:grpSpPr>
-      <p:sp>
-        <p:nvSpPr>
-          <p:cNvPr id="2" name="Title 1">
+      <p:pic>
+        <p:nvPicPr>
+          <p:cNvPr id="5" name="Content Placeholder 4" descr="A screenshot of a test&#10;&#10;Description automatically generated with low confidence">
             <a:extLst>
               <a:ext uri="{FF2B5EF4-FFF2-40B4-BE49-F238E27FC236}">
-                <a16:creationId xmlns:a16="http://schemas.microsoft.com/office/drawing/2014/main" id="{D4967561-7DBD-064F-24B8-EBD0211F0D0B}"/>
+                <a16:creationId xmlns:a16="http://schemas.microsoft.com/office/drawing/2014/main" id="{7A63BACC-45A6-4A34-5DD1-AF9E65086134}"/>
               </a:ext>
             </a:extLst>
           </p:cNvPr>
-          <p:cNvSpPr>
-            <a:spLocks noGrp="1"/>
-          </p:cNvSpPr>
-          <p:nvPr>
-            <p:ph type="title"/>
-          </p:nvPr>
-        </p:nvSpPr>
-        <p:spPr/>
-        <p:txBody>
-          <a:bodyPr/>
-          <a:lstStyle/>
-          <a:p>
-            <a:r>
-              <a:rPr lang="en-US" dirty="0"/>
-              <a:t>Term Frequency</a:t>
-            </a:r>
-          </a:p>
-        </p:txBody>
-      </p:sp>
-      <p:sp>
-        <p:nvSpPr>
-          <p:cNvPr id="3" name="Content Placeholder 2">
-            <a:extLst>
-              <a:ext uri="{FF2B5EF4-FFF2-40B4-BE49-F238E27FC236}">
-                <a16:creationId xmlns:a16="http://schemas.microsoft.com/office/drawing/2014/main" id="{9834855F-DD2D-31CC-F2A5-B1A19D74E667}"/>
-              </a:ext>
-            </a:extLst>
-          </p:cNvPr>
-          <p:cNvSpPr>
-            <a:spLocks noGrp="1"/>
-          </p:cNvSpPr>
+          <p:cNvPicPr>
+            <a:picLocks noGrp="1" noChangeAspect="1"/>
+          </p:cNvPicPr>
           <p:nvPr>
             <p:ph idx="1"/>
           </p:nvPr>
-        </p:nvSpPr>
-        <p:spPr/>
-        <p:txBody>
-          <a:bodyPr/>
-          <a:lstStyle/>
-          <a:p>
-            <a:r>
-              <a:rPr lang="en-US" dirty="0"/>
-              <a:t>Original Salton paper uses absolute frequency and makes vectors unit length later</a:t>
-            </a:r>
-          </a:p>
-          <a:p>
-            <a:pPr lvl="1"/>
-            <a:r>
-              <a:rPr lang="en-US" dirty="0"/>
-              <a:t>let’s use raw frequency immediately.</a:t>
-            </a:r>
-          </a:p>
-        </p:txBody>
-      </p:sp>
+        </p:nvPicPr>
+        <p:blipFill>
+          <a:blip r:embed="rId2"/>
+          <a:stretch>
+            <a:fillRect/>
+          </a:stretch>
+        </p:blipFill>
+        <p:spPr>
+          <a:xfrm>
+            <a:off x="2914197" y="692357"/>
+            <a:ext cx="6363606" cy="5473286"/>
+          </a:xfrm>
+        </p:spPr>
+      </p:pic>
     </p:spTree>
     <p:extLst>
       <p:ext uri="{BB962C8B-B14F-4D97-AF65-F5344CB8AC3E}">
-        <p14:creationId xmlns:p14="http://schemas.microsoft.com/office/powerpoint/2010/main" val="889407711"/>
+        <p14:creationId xmlns:p14="http://schemas.microsoft.com/office/powerpoint/2010/main" val="4151052495"/>
       </p:ext>
     </p:extLst>
   </p:cSld>
@@ -7892,6 +7853,129 @@
           <p:cNvPr id="2" name="Title 1">
             <a:extLst>
               <a:ext uri="{FF2B5EF4-FFF2-40B4-BE49-F238E27FC236}">
+                <a16:creationId xmlns:a16="http://schemas.microsoft.com/office/drawing/2014/main" id="{D4967561-7DBD-064F-24B8-EBD0211F0D0B}"/>
+              </a:ext>
+            </a:extLst>
+          </p:cNvPr>
+          <p:cNvSpPr>
+            <a:spLocks noGrp="1"/>
+          </p:cNvSpPr>
+          <p:nvPr>
+            <p:ph type="title"/>
+          </p:nvPr>
+        </p:nvSpPr>
+        <p:spPr/>
+        <p:txBody>
+          <a:bodyPr/>
+          <a:lstStyle/>
+          <a:p>
+            <a:r>
+              <a:rPr lang="en-US" dirty="0"/>
+              <a:t>Term Frequency</a:t>
+            </a:r>
+          </a:p>
+        </p:txBody>
+      </p:sp>
+      <p:sp>
+        <p:nvSpPr>
+          <p:cNvPr id="3" name="Content Placeholder 2">
+            <a:extLst>
+              <a:ext uri="{FF2B5EF4-FFF2-40B4-BE49-F238E27FC236}">
+                <a16:creationId xmlns:a16="http://schemas.microsoft.com/office/drawing/2014/main" id="{9834855F-DD2D-31CC-F2A5-B1A19D74E667}"/>
+              </a:ext>
+            </a:extLst>
+          </p:cNvPr>
+          <p:cNvSpPr>
+            <a:spLocks noGrp="1"/>
+          </p:cNvSpPr>
+          <p:nvPr>
+            <p:ph idx="1"/>
+          </p:nvPr>
+        </p:nvSpPr>
+        <p:spPr/>
+        <p:txBody>
+          <a:bodyPr/>
+          <a:lstStyle/>
+          <a:p>
+            <a:r>
+              <a:rPr lang="en-US" dirty="0"/>
+              <a:t>Original Salton paper uses absolute frequency and makes vectors unit length later</a:t>
+            </a:r>
+          </a:p>
+          <a:p>
+            <a:pPr lvl="1"/>
+            <a:r>
+              <a:rPr lang="en-US" dirty="0"/>
+              <a:t>let’s use raw frequency immediately.</a:t>
+            </a:r>
+          </a:p>
+        </p:txBody>
+      </p:sp>
+      <p:pic>
+        <p:nvPicPr>
+          <p:cNvPr id="5" name="Picture 4" descr="A picture containing text, receipt, screenshot&#10;&#10;Description automatically generated">
+            <a:extLst>
+              <a:ext uri="{FF2B5EF4-FFF2-40B4-BE49-F238E27FC236}">
+                <a16:creationId xmlns:a16="http://schemas.microsoft.com/office/drawing/2014/main" id="{C88401A7-F77D-EBF4-8DBF-4DFA0A3A8063}"/>
+              </a:ext>
+            </a:extLst>
+          </p:cNvPr>
+          <p:cNvPicPr>
+            <a:picLocks noChangeAspect="1"/>
+          </p:cNvPicPr>
+          <p:nvPr/>
+        </p:nvPicPr>
+        <p:blipFill>
+          <a:blip r:embed="rId2"/>
+          <a:stretch>
+            <a:fillRect/>
+          </a:stretch>
+        </p:blipFill>
+        <p:spPr>
+          <a:xfrm>
+            <a:off x="1698171" y="2891064"/>
+            <a:ext cx="7772400" cy="3610191"/>
+          </a:xfrm>
+          <a:prstGeom prst="rect">
+            <a:avLst/>
+          </a:prstGeom>
+        </p:spPr>
+      </p:pic>
+    </p:spTree>
+    <p:extLst>
+      <p:ext uri="{BB962C8B-B14F-4D97-AF65-F5344CB8AC3E}">
+        <p14:creationId xmlns:p14="http://schemas.microsoft.com/office/powerpoint/2010/main" val="889407711"/>
+      </p:ext>
+    </p:extLst>
+  </p:cSld>
+  <p:clrMapOvr>
+    <a:masterClrMapping/>
+  </p:clrMapOvr>
+</p:sld>
+</file>
+
+<file path=ppt/slides/slide21.xml><?xml version="1.0" encoding="utf-8"?>
+<p:sld xmlns:a="http://schemas.openxmlformats.org/drawingml/2006/main" xmlns:r="http://schemas.openxmlformats.org/officeDocument/2006/relationships" xmlns:p="http://schemas.openxmlformats.org/presentationml/2006/main">
+  <p:cSld>
+    <p:spTree>
+      <p:nvGrpSpPr>
+        <p:cNvPr id="1" name=""/>
+        <p:cNvGrpSpPr/>
+        <p:nvPr/>
+      </p:nvGrpSpPr>
+      <p:grpSpPr>
+        <a:xfrm>
+          <a:off x="0" y="0"/>
+          <a:ext cx="0" cy="0"/>
+          <a:chOff x="0" y="0"/>
+          <a:chExt cx="0" cy="0"/>
+        </a:xfrm>
+      </p:grpSpPr>
+      <p:sp>
+        <p:nvSpPr>
+          <p:cNvPr id="2" name="Title 1">
+            <a:extLst>
+              <a:ext uri="{FF2B5EF4-FFF2-40B4-BE49-F238E27FC236}">
                 <a16:creationId xmlns:a16="http://schemas.microsoft.com/office/drawing/2014/main" id="{D76B8229-7491-5332-BB32-65E4567DCADB}"/>
               </a:ext>
             </a:extLst>
@@ -7943,6 +8027,36 @@
           </a:p>
         </p:txBody>
       </p:sp>
+      <p:pic>
+        <p:nvPicPr>
+          <p:cNvPr id="5" name="Picture 4" descr="A picture containing text, receipt, screenshot&#10;&#10;Description automatically generated">
+            <a:extLst>
+              <a:ext uri="{FF2B5EF4-FFF2-40B4-BE49-F238E27FC236}">
+                <a16:creationId xmlns:a16="http://schemas.microsoft.com/office/drawing/2014/main" id="{3B679856-DD4B-DC24-8009-64E9DCE9CC0C}"/>
+              </a:ext>
+            </a:extLst>
+          </p:cNvPr>
+          <p:cNvPicPr>
+            <a:picLocks noChangeAspect="1"/>
+          </p:cNvPicPr>
+          <p:nvPr/>
+        </p:nvPicPr>
+        <p:blipFill>
+          <a:blip r:embed="rId2"/>
+          <a:stretch>
+            <a:fillRect/>
+          </a:stretch>
+        </p:blipFill>
+        <p:spPr>
+          <a:xfrm>
+            <a:off x="2209800" y="2457865"/>
+            <a:ext cx="7772400" cy="3377878"/>
+          </a:xfrm>
+          <a:prstGeom prst="rect">
+            <a:avLst/>
+          </a:prstGeom>
+        </p:spPr>
+      </p:pic>
     </p:spTree>
     <p:extLst>
       <p:ext uri="{BB962C8B-B14F-4D97-AF65-F5344CB8AC3E}">
@@ -7956,7 +8070,7 @@
 </p:sld>
 </file>
 
-<file path=ppt/slides/slide21.xml><?xml version="1.0" encoding="utf-8"?>
+<file path=ppt/slides/slide22.xml><?xml version="1.0" encoding="utf-8"?>
 <p:sld xmlns:a="http://schemas.openxmlformats.org/drawingml/2006/main" xmlns:r="http://schemas.openxmlformats.org/officeDocument/2006/relationships" xmlns:p="http://schemas.openxmlformats.org/presentationml/2006/main">
   <p:cSld>
     <p:spTree>
@@ -8019,51 +8133,53 @@
         </p:nvSpPr>
         <p:spPr/>
         <p:txBody>
-          <a:bodyPr/>
+          <a:bodyPr>
+            <a:normAutofit/>
+          </a:bodyPr>
           <a:lstStyle/>
           <a:p>
             <a:r>
-              <a:rPr lang="en-US" dirty="0"/>
+              <a:rPr lang="en-US" sz="2800" dirty="0"/>
               <a:t>The shining sky ball</a:t>
             </a:r>
           </a:p>
           <a:p>
             <a:r>
-              <a:rPr lang="en-US" dirty="0"/>
+              <a:rPr lang="en-US" sz="2800" dirty="0"/>
               <a:t>Don’t use UNK (unknown) token</a:t>
             </a:r>
           </a:p>
           <a:p>
             <a:r>
-              <a:rPr lang="en-US" dirty="0"/>
+              <a:rPr lang="en-US" sz="2800" dirty="0"/>
               <a:t>Query</a:t>
             </a:r>
           </a:p>
           <a:p>
             <a:pPr lvl="1"/>
             <a:r>
-              <a:rPr lang="en-US" dirty="0"/>
+              <a:rPr lang="en-US" sz="2400" dirty="0"/>
               <a:t>`the`: 0.0</a:t>
             </a:r>
           </a:p>
           <a:p>
             <a:pPr lvl="1"/>
             <a:r>
-              <a:rPr lang="en-US" dirty="0"/>
+              <a:rPr lang="en-US" sz="2400" dirty="0"/>
               <a:t>`shining`: 0.2</a:t>
             </a:r>
           </a:p>
           <a:p>
             <a:pPr lvl="1"/>
             <a:r>
-              <a:rPr lang="en-US" dirty="0"/>
+              <a:rPr lang="en-US" sz="2400" dirty="0"/>
               <a:t>`sky`: 0.1</a:t>
             </a:r>
           </a:p>
           <a:p>
             <a:pPr lvl="1"/>
             <a:r>
-              <a:rPr lang="en-US" dirty="0"/>
+              <a:rPr lang="en-US" sz="2400" dirty="0"/>
               <a:t>?</a:t>
             </a:r>
           </a:p>
@@ -8082,7 +8198,7 @@
 </p:sld>
 </file>
 
-<file path=ppt/slides/slide22.xml><?xml version="1.0" encoding="utf-8"?>
+<file path=ppt/slides/slide23.xml><?xml version="1.0" encoding="utf-8"?>
 <p:sld xmlns:a="http://schemas.openxmlformats.org/drawingml/2006/main" xmlns:r="http://schemas.openxmlformats.org/officeDocument/2006/relationships" xmlns:p="http://schemas.openxmlformats.org/presentationml/2006/main">
   <p:cSld>
     <p:spTree>
@@ -8124,8 +8240,8 @@
           </a:p>
         </p:txBody>
       </p:sp>
-      <mc:AlternateContent xmlns:mc="http://schemas.openxmlformats.org/markup-compatibility/2006">
-        <mc:Choice xmlns:a14="http://schemas.microsoft.com/office/drawing/2010/main" Requires="a14">
+      <mc:AlternateContent xmlns:mc="http://schemas.openxmlformats.org/markup-compatibility/2006" xmlns:a14="http://schemas.microsoft.com/office/drawing/2010/main">
+        <mc:Choice Requires="a14">
           <p:sp>
             <p:nvSpPr>
               <p:cNvPr id="3" name="Content Placeholder 2">
@@ -8184,16 +8300,7 @@
                           <a:rPr lang="en-US" sz="2400" b="0" i="0" smtClean="0">
                             <a:latin typeface="Cambria Math" panose="02040503050406030204" pitchFamily="18" charset="0"/>
                           </a:rPr>
-                          <m:t>t</m:t>
-                        </m:r>
-                        <m:r>
-                          <m:rPr>
-                            <m:sty m:val="p"/>
-                          </m:rPr>
-                          <a:rPr lang="en-US" sz="2400" b="0" i="0" smtClean="0">
-                            <a:latin typeface="Cambria Math" panose="02040503050406030204" pitchFamily="18" charset="0"/>
-                          </a:rPr>
-                          <m:t>f</m:t>
+                          <m:t>tf</m:t>
                         </m:r>
                       </m:e>
                       <m:sub>
@@ -8325,16 +8432,7 @@
                           <a:rPr lang="en-US" sz="2400" b="0" i="0" smtClean="0">
                             <a:latin typeface="Cambria Math" panose="02040503050406030204" pitchFamily="18" charset="0"/>
                           </a:rPr>
-                          <m:t>d</m:t>
-                        </m:r>
-                        <m:r>
-                          <m:rPr>
-                            <m:sty m:val="p"/>
-                          </m:rPr>
-                          <a:rPr lang="en-US" sz="2400" b="0" i="0" smtClean="0">
-                            <a:latin typeface="Cambria Math" panose="02040503050406030204" pitchFamily="18" charset="0"/>
-                          </a:rPr>
-                          <m:t>f</m:t>
+                          <m:t>df</m:t>
                         </m:r>
                       </m:e>
                       <m:sub>
@@ -8350,13 +8448,7 @@
                       <a:rPr lang="en-US" sz="2400" b="0" i="1" smtClean="0">
                         <a:latin typeface="Cambria Math" panose="02040503050406030204" pitchFamily="18" charset="0"/>
                       </a:rPr>
-                      <m:t>=</m:t>
-                    </m:r>
-                    <m:r>
-                      <a:rPr lang="en-US" sz="2400" b="0" i="1" smtClean="0">
-                        <a:latin typeface="Cambria Math" panose="02040503050406030204" pitchFamily="18" charset="0"/>
-                      </a:rPr>
-                      <m:t>4</m:t>
+                      <m:t>=4</m:t>
                     </m:r>
                   </m:oMath>
                 </a14:m>
@@ -8382,16 +8474,7 @@
                           <a:rPr lang="en-US" sz="2400" b="0" i="0" smtClean="0">
                             <a:latin typeface="Cambria Math" panose="02040503050406030204" pitchFamily="18" charset="0"/>
                           </a:rPr>
-                          <m:t>d</m:t>
-                        </m:r>
-                        <m:r>
-                          <m:rPr>
-                            <m:sty m:val="p"/>
-                          </m:rPr>
-                          <a:rPr lang="en-US" sz="2400" b="0" i="0" smtClean="0">
-                            <a:latin typeface="Cambria Math" panose="02040503050406030204" pitchFamily="18" charset="0"/>
-                          </a:rPr>
-                          <m:t>f</m:t>
+                          <m:t>df</m:t>
                         </m:r>
                       </m:e>
                       <m:sub>
@@ -8407,13 +8490,7 @@
                       <a:rPr lang="en-US" sz="2400" b="0" i="1" smtClean="0">
                         <a:latin typeface="Cambria Math" panose="02040503050406030204" pitchFamily="18" charset="0"/>
                       </a:rPr>
-                      <m:t>=</m:t>
-                    </m:r>
-                    <m:r>
-                      <a:rPr lang="en-US" sz="2400" b="0" i="1" smtClean="0">
-                        <a:latin typeface="Cambria Math" panose="02040503050406030204" pitchFamily="18" charset="0"/>
-                      </a:rPr>
-                      <m:t>1</m:t>
+                      <m:t>=1</m:t>
                     </m:r>
                   </m:oMath>
                 </a14:m>
@@ -8439,16 +8516,7 @@
                           <a:rPr lang="en-US" sz="2400" b="0" i="0" smtClean="0">
                             <a:latin typeface="Cambria Math" panose="02040503050406030204" pitchFamily="18" charset="0"/>
                           </a:rPr>
-                          <m:t>d</m:t>
-                        </m:r>
-                        <m:r>
-                          <m:rPr>
-                            <m:sty m:val="p"/>
-                          </m:rPr>
-                          <a:rPr lang="en-US" sz="2400" b="0" i="0" smtClean="0">
-                            <a:latin typeface="Cambria Math" panose="02040503050406030204" pitchFamily="18" charset="0"/>
-                          </a:rPr>
-                          <m:t>f</m:t>
+                          <m:t>df</m:t>
                         </m:r>
                       </m:e>
                       <m:sub>
@@ -8464,13 +8532,7 @@
                       <a:rPr lang="en-US" sz="2400" b="0" i="1" smtClean="0">
                         <a:latin typeface="Cambria Math" panose="02040503050406030204" pitchFamily="18" charset="0"/>
                       </a:rPr>
-                      <m:t>=</m:t>
-                    </m:r>
-                    <m:r>
-                      <a:rPr lang="en-US" sz="2400" b="0" i="1" smtClean="0">
-                        <a:latin typeface="Cambria Math" panose="02040503050406030204" pitchFamily="18" charset="0"/>
-                      </a:rPr>
-                      <m:t>2</m:t>
+                      <m:t>=2</m:t>
                     </m:r>
                   </m:oMath>
                 </a14:m>
@@ -8482,7 +8544,7 @@
             </p:txBody>
           </p:sp>
         </mc:Choice>
-        <mc:Fallback>
+        <mc:Fallback xmlns="">
           <p:sp>
             <p:nvSpPr>
               <p:cNvPr id="3" name="Content Placeholder 2">
@@ -8535,7 +8597,7 @@
 </p:sld>
 </file>
 
-<file path=ppt/slides/slide23.xml><?xml version="1.0" encoding="utf-8"?>
+<file path=ppt/slides/slide24.xml><?xml version="1.0" encoding="utf-8"?>
 <p:sld xmlns:a="http://schemas.openxmlformats.org/drawingml/2006/main" xmlns:r="http://schemas.openxmlformats.org/officeDocument/2006/relationships" xmlns:p="http://schemas.openxmlformats.org/presentationml/2006/main">
   <p:cSld>
     <p:spTree>
@@ -8577,8 +8639,8 @@
           </a:p>
         </p:txBody>
       </p:sp>
-      <mc:AlternateContent xmlns:mc="http://schemas.openxmlformats.org/markup-compatibility/2006">
-        <mc:Choice xmlns:a14="http://schemas.microsoft.com/office/drawing/2010/main" Requires="a14">
+      <mc:AlternateContent xmlns:mc="http://schemas.openxmlformats.org/markup-compatibility/2006" xmlns:a14="http://schemas.microsoft.com/office/drawing/2010/main">
+        <mc:Choice Requires="a14">
           <p:sp>
             <p:nvSpPr>
               <p:cNvPr id="3" name="Content Placeholder 2">
@@ -8620,16 +8682,7 @@
                           <a:rPr lang="en-US" sz="3200" b="0" i="0" smtClean="0">
                             <a:latin typeface="Cambria Math" panose="02040503050406030204" pitchFamily="18" charset="0"/>
                           </a:rPr>
-                          <m:t>tf</m:t>
-                        </m:r>
-                        <m:r>
-                          <m:rPr>
-                            <m:sty m:val="p"/>
-                          </m:rPr>
-                          <a:rPr lang="en-US" sz="3200" b="0" i="0" smtClean="0">
-                            <a:latin typeface="Cambria Math" panose="02040503050406030204" pitchFamily="18" charset="0"/>
-                          </a:rPr>
-                          <m:t>idf</m:t>
+                          <m:t>tfidf</m:t>
                         </m:r>
                       </m:e>
                       <m:sub>
@@ -8880,13 +8933,7 @@
                       <a:rPr lang="en-US" sz="3200" b="0" i="1" smtClean="0">
                         <a:latin typeface="Cambria Math" panose="02040503050406030204" pitchFamily="18" charset="0"/>
                       </a:rPr>
-                      <m:t>=0</m:t>
-                    </m:r>
-                    <m:r>
-                      <a:rPr lang="en-US" sz="3200" b="0" i="1" smtClean="0">
-                        <a:latin typeface="Cambria Math" panose="02040503050406030204" pitchFamily="18" charset="0"/>
-                      </a:rPr>
-                      <m:t>.200486</m:t>
+                      <m:t>=0.200486</m:t>
                     </m:r>
                   </m:oMath>
                 </a14:m>
@@ -9024,13 +9071,7 @@
                       <a:rPr lang="en-US" sz="3200" b="0" i="1" smtClean="0">
                         <a:latin typeface="Cambria Math" panose="02040503050406030204" pitchFamily="18" charset="0"/>
                       </a:rPr>
-                      <m:t>=</m:t>
-                    </m:r>
-                    <m:r>
-                      <a:rPr lang="en-US" sz="3200" b="0" i="1" smtClean="0">
-                        <a:latin typeface="Cambria Math" panose="02040503050406030204" pitchFamily="18" charset="0"/>
-                      </a:rPr>
-                      <m:t>0.100243</m:t>
+                      <m:t>=0.100243</m:t>
                     </m:r>
                   </m:oMath>
                 </a14:m>
@@ -9045,7 +9086,7 @@
             </p:txBody>
           </p:sp>
         </mc:Choice>
-        <mc:Fallback>
+        <mc:Fallback xmlns="">
           <p:sp>
             <p:nvSpPr>
               <p:cNvPr id="3" name="Content Placeholder 2">
@@ -9098,7 +9139,7 @@
 </p:sld>
 </file>
 
-<file path=ppt/slides/slide24.xml><?xml version="1.0" encoding="utf-8"?>
+<file path=ppt/slides/slide25.xml><?xml version="1.0" encoding="utf-8"?>
 <p:sld xmlns:a="http://schemas.openxmlformats.org/drawingml/2006/main" xmlns:r="http://schemas.openxmlformats.org/officeDocument/2006/relationships" xmlns:p="http://schemas.openxmlformats.org/presentationml/2006/main">
   <p:cSld>
     <p:spTree>
@@ -9164,7 +9205,7 @@
             <p:spPr/>
             <p:txBody>
               <a:bodyPr>
-                <a:normAutofit fontScale="92500" lnSpcReduction="10000"/>
+                <a:normAutofit fontScale="92500" lnSpcReduction="20000"/>
               </a:bodyPr>
               <a:lstStyle/>
               <a:p>
@@ -9175,10 +9216,24 @@
                 </a:pPr>
                 <a:r>
                   <a:rPr lang="en-US" sz="2800" dirty="0"/>
-                  <a:t>Use dot product </a:t>
+                  <a:t>Score(</a:t>
+                </a:r>
+                <a:r>
+                  <a:rPr lang="en-US" sz="2800" dirty="0" err="1"/>
+                  <a:t>q,d</a:t>
+                </a:r>
+                <a:r>
+                  <a:rPr lang="en-US" sz="2800" dirty="0"/>
+                  <a:t>)</a:t>
                 </a:r>
                 <a14:m>
                   <m:oMath xmlns:m="http://schemas.openxmlformats.org/officeDocument/2006/math">
+                    <m:r>
+                      <a:rPr lang="en-US" sz="2800" b="0" i="1" smtClean="0">
+                        <a:latin typeface="Cambria Math" panose="02040503050406030204" pitchFamily="18" charset="0"/>
+                      </a:rPr>
+                      <m:t>=</m:t>
+                    </m:r>
                     <m:nary>
                       <m:naryPr>
                         <m:chr m:val="∑"/>
@@ -9195,6 +9250,27 @@
                             <a:latin typeface="Cambria Math" panose="02040503050406030204" pitchFamily="18" charset="0"/>
                           </a:rPr>
                           <m:t>𝑡</m:t>
+                        </m:r>
+                        <m:r>
+                          <a:rPr lang="en-US" sz="2800" b="0" i="1" smtClean="0">
+                            <a:latin typeface="Cambria Math" panose="02040503050406030204" pitchFamily="18" charset="0"/>
+                          </a:rPr>
+                          <m:t>∈</m:t>
+                        </m:r>
+                        <m:r>
+                          <m:rPr>
+                            <m:sty m:val="p"/>
+                          </m:rPr>
+                          <a:rPr lang="en-US" sz="2800" b="0" i="1" smtClean="0">
+                            <a:latin typeface="Cambria Math" panose="02040503050406030204" pitchFamily="18" charset="0"/>
+                          </a:rPr>
+                          <m:t>q</m:t>
+                        </m:r>
+                        <m:r>
+                          <a:rPr lang="en-US" sz="2800" b="0" i="1" smtClean="0">
+                            <a:latin typeface="Cambria Math" panose="02040503050406030204" pitchFamily="18" charset="0"/>
+                          </a:rPr>
+                          <m:t> </m:t>
                         </m:r>
                       </m:sub>
                       <m:sup/>
@@ -9202,17 +9278,20 @@
                         <m:sSub>
                           <m:sSubPr>
                             <m:ctrlPr>
-                              <a:rPr lang="en-US" sz="2800" b="0" i="1" smtClean="0">
+                              <a:rPr lang="en-US" sz="2800" b="0" i="0" smtClean="0">
                                 <a:latin typeface="Cambria Math" panose="02040503050406030204" pitchFamily="18" charset="0"/>
                               </a:rPr>
                             </m:ctrlPr>
                           </m:sSubPr>
                           <m:e>
                             <m:r>
-                              <a:rPr lang="en-US" sz="2800" b="0" i="1" smtClean="0">
+                              <m:rPr>
+                                <m:sty m:val="p"/>
+                              </m:rPr>
+                              <a:rPr lang="en-US" sz="2800" b="0" i="0" smtClean="0">
                                 <a:latin typeface="Cambria Math" panose="02040503050406030204" pitchFamily="18" charset="0"/>
                               </a:rPr>
-                              <m:t>𝑓</m:t>
+                              <m:t>tfidf</m:t>
                             </m:r>
                           </m:e>
                           <m:sub>
@@ -9222,36 +9301,17 @@
                               </a:rPr>
                               <m:t>𝑡</m:t>
                             </m:r>
-                          </m:sub>
-                        </m:sSub>
-                        <m:r>
-                          <a:rPr lang="en-US" sz="2800" b="0" i="1" smtClean="0">
-                            <a:latin typeface="Cambria Math" panose="02040503050406030204" pitchFamily="18" charset="0"/>
-                          </a:rPr>
-                          <m:t>⋅</m:t>
-                        </m:r>
-                        <m:sSub>
-                          <m:sSubPr>
-                            <m:ctrlPr>
-                              <a:rPr lang="en-US" sz="2800" b="0" i="1" smtClean="0">
-                                <a:latin typeface="Cambria Math" panose="02040503050406030204" pitchFamily="18" charset="0"/>
-                              </a:rPr>
-                            </m:ctrlPr>
-                          </m:sSubPr>
-                          <m:e>
                             <m:r>
                               <a:rPr lang="en-US" sz="2800" b="0" i="1" smtClean="0">
                                 <a:latin typeface="Cambria Math" panose="02040503050406030204" pitchFamily="18" charset="0"/>
                               </a:rPr>
-                              <m:t>𝑔</m:t>
+                              <m:t>,</m:t>
                             </m:r>
-                          </m:e>
-                          <m:sub>
                             <m:r>
                               <a:rPr lang="en-US" sz="2800" b="0" i="1" smtClean="0">
                                 <a:latin typeface="Cambria Math" panose="02040503050406030204" pitchFamily="18" charset="0"/>
                               </a:rPr>
-                              <m:t>𝑡</m:t>
+                              <m:t>𝑑</m:t>
                             </m:r>
                           </m:sub>
                         </m:sSub>
@@ -9325,13 +9385,7 @@
                       <a:rPr lang="en-US" sz="2800" b="0" i="1" smtClean="0">
                         <a:latin typeface="Cambria Math" panose="02040503050406030204" pitchFamily="18" charset="0"/>
                       </a:rPr>
-                      <m:t>→0.00</m:t>
-                    </m:r>
-                    <m:r>
-                      <a:rPr lang="en-US" sz="2800" b="0" i="1" smtClean="0">
-                        <a:latin typeface="Cambria Math" panose="02040503050406030204" pitchFamily="18" charset="0"/>
-                      </a:rPr>
-                      <m:t>4</m:t>
+                      <m:t>→0.004</m:t>
                     </m:r>
                   </m:oMath>
                 </a14:m>
@@ -9357,13 +9411,7 @@
                       <a:rPr lang="en-US" sz="2400" b="0" i="1" smtClean="0">
                         <a:latin typeface="Cambria Math" panose="02040503050406030204" pitchFamily="18" charset="0"/>
                       </a:rPr>
-                      <m:t>→0.0</m:t>
-                    </m:r>
-                    <m:r>
-                      <a:rPr lang="en-US" sz="2400" b="0" i="1" smtClean="0">
-                        <a:latin typeface="Cambria Math" panose="02040503050406030204" pitchFamily="18" charset="0"/>
-                      </a:rPr>
-                      <m:t>13</m:t>
+                      <m:t>→0.013</m:t>
                     </m:r>
                   </m:oMath>
                 </a14:m>
@@ -9393,7 +9441,7 @@
               <a:blipFill>
                 <a:blip r:embed="rId2"/>
                 <a:stretch>
-                  <a:fillRect l="-757" t="-10000" b="-3125"/>
+                  <a:fillRect l="-757" t="-9688"/>
                 </a:stretch>
               </a:blipFill>
             </p:spPr>
@@ -9837,8 +9885,8 @@
           </a:p>
         </p:txBody>
       </p:sp>
-      <mc:AlternateContent xmlns:mc="http://schemas.openxmlformats.org/markup-compatibility/2006" xmlns:a14="http://schemas.microsoft.com/office/drawing/2010/main">
-        <mc:Choice Requires="a14">
+      <mc:AlternateContent xmlns:mc="http://schemas.openxmlformats.org/markup-compatibility/2006">
+        <mc:Choice xmlns:a14="http://schemas.microsoft.com/office/drawing/2010/main" Requires="a14">
           <p:sp>
             <p:nvSpPr>
               <p:cNvPr id="3" name="Content Placeholder 2">
@@ -9883,14 +9931,14 @@
                 <a:pPr lvl="1"/>
                 <a:r>
                   <a:rPr lang="en-US" sz="2400" dirty="0"/>
-                  <a:t>So, assign a weight equal to the number of occurrences of term t in d</a:t>
+                  <a:t>assign a weight equal to the number of occurrences of term t in d</a:t>
                 </a:r>
               </a:p>
               <a:p>
                 <a:pPr lvl="1"/>
                 <a:r>
                   <a:rPr lang="en-US" sz="2400" dirty="0"/>
-                  <a:t>Called term frequency, </a:t>
+                  <a:t>called term frequency, </a:t>
                 </a:r>
                 <a14:m>
                   <m:oMath xmlns:m="http://schemas.openxmlformats.org/officeDocument/2006/math">
@@ -9957,7 +10005,7 @@
             </p:txBody>
           </p:sp>
         </mc:Choice>
-        <mc:Fallback xmlns="">
+        <mc:Fallback>
           <p:sp>
             <p:nvSpPr>
               <p:cNvPr id="3" name="Content Placeholder 2">
@@ -10574,23 +10622,37 @@
         <p:spPr/>
         <p:txBody>
           <a:bodyPr>
-            <a:normAutofit/>
+            <a:normAutofit fontScale="92500"/>
           </a:bodyPr>
           <a:lstStyle/>
           <a:p>
+            <a:pPr>
+              <a:lnSpc>
+                <a:spcPct val="150000"/>
+              </a:lnSpc>
+            </a:pPr>
             <a:r>
               <a:rPr lang="en-US" sz="2800" dirty="0"/>
               <a:t>The number of terms is the main factor in determining the size of the dictionary</a:t>
             </a:r>
           </a:p>
           <a:p>
+            <a:pPr>
+              <a:lnSpc>
+                <a:spcPct val="150000"/>
+              </a:lnSpc>
+            </a:pPr>
             <a:r>
               <a:rPr lang="en-US" sz="2800" dirty="0"/>
               <a:t>Compressing the dictionary is of interest, but need to estimate:</a:t>
             </a:r>
           </a:p>
           <a:p>
-            <a:pPr lvl="1"/>
+            <a:pPr lvl="1">
+              <a:lnSpc>
+                <a:spcPct val="150000"/>
+              </a:lnSpc>
+            </a:pPr>
             <a:r>
               <a:rPr lang="en-US" sz="2400" dirty="0"/>
               <a:t>The number of distinct terms </a:t>
@@ -10605,7 +10667,11 @@
             </a:r>
           </a:p>
           <a:p>
-            <a:pPr lvl="1"/>
+            <a:pPr lvl="1">
+              <a:lnSpc>
+                <a:spcPct val="150000"/>
+              </a:lnSpc>
+            </a:pPr>
             <a:r>
               <a:rPr lang="en-US" sz="2400" dirty="0"/>
               <a:t>Oxford English Dictionary defines more than 600,000 words, but the vocab of most large corpus is much large… Why?</a:t>

--- a/Summer2023/BUS243/lecture_note/lecture2.pptx
+++ b/Summer2023/BUS243/lecture_note/lecture2.pptx
@@ -10,26 +10,28 @@
     <p:sldId id="259" r:id="rId4"/>
     <p:sldId id="261" r:id="rId5"/>
     <p:sldId id="264" r:id="rId6"/>
-    <p:sldId id="265" r:id="rId7"/>
-    <p:sldId id="262" r:id="rId8"/>
-    <p:sldId id="263" r:id="rId9"/>
-    <p:sldId id="260" r:id="rId10"/>
-    <p:sldId id="258" r:id="rId11"/>
-    <p:sldId id="266" r:id="rId12"/>
-    <p:sldId id="267" r:id="rId13"/>
-    <p:sldId id="268" r:id="rId14"/>
-    <p:sldId id="269" r:id="rId15"/>
-    <p:sldId id="270" r:id="rId16"/>
-    <p:sldId id="271" r:id="rId17"/>
-    <p:sldId id="272" r:id="rId18"/>
-    <p:sldId id="273" r:id="rId19"/>
-    <p:sldId id="280" r:id="rId20"/>
-    <p:sldId id="274" r:id="rId21"/>
-    <p:sldId id="275" r:id="rId22"/>
-    <p:sldId id="276" r:id="rId23"/>
-    <p:sldId id="277" r:id="rId24"/>
-    <p:sldId id="278" r:id="rId25"/>
-    <p:sldId id="279" r:id="rId26"/>
+    <p:sldId id="281" r:id="rId7"/>
+    <p:sldId id="265" r:id="rId8"/>
+    <p:sldId id="262" r:id="rId9"/>
+    <p:sldId id="263" r:id="rId10"/>
+    <p:sldId id="260" r:id="rId11"/>
+    <p:sldId id="283" r:id="rId12"/>
+    <p:sldId id="282" r:id="rId13"/>
+    <p:sldId id="266" r:id="rId14"/>
+    <p:sldId id="267" r:id="rId15"/>
+    <p:sldId id="268" r:id="rId16"/>
+    <p:sldId id="269" r:id="rId17"/>
+    <p:sldId id="270" r:id="rId18"/>
+    <p:sldId id="271" r:id="rId19"/>
+    <p:sldId id="272" r:id="rId20"/>
+    <p:sldId id="273" r:id="rId21"/>
+    <p:sldId id="280" r:id="rId22"/>
+    <p:sldId id="274" r:id="rId23"/>
+    <p:sldId id="275" r:id="rId24"/>
+    <p:sldId id="276" r:id="rId25"/>
+    <p:sldId id="277" r:id="rId26"/>
+    <p:sldId id="278" r:id="rId27"/>
+    <p:sldId id="279" r:id="rId28"/>
   </p:sldIdLst>
   <p:sldSz cx="12192000" cy="6858000"/>
   <p:notesSz cx="6858000" cy="9144000"/>
@@ -637,7 +639,7 @@
           <a:p>
             <a:fld id="{3CADBD16-5BFB-4D9F-9646-C75D1B53BBB6}" type="datetimeFigureOut">
               <a:rPr lang="en-US" smtClean="0"/>
-              <a:t>6/8/23</a:t>
+              <a:t>7/13/23</a:t>
             </a:fld>
             <a:endParaRPr lang="en-US"/>
           </a:p>
@@ -815,7 +817,7 @@
             <a:fld id="{3CADBD16-5BFB-4D9F-9646-C75D1B53BBB6}" type="datetimeFigureOut">
               <a:rPr lang="en-US" smtClean="0"/>
               <a:pPr/>
-              <a:t>6/8/23</a:t>
+              <a:t>7/13/23</a:t>
             </a:fld>
             <a:endParaRPr lang="en-US" dirty="0"/>
           </a:p>
@@ -997,7 +999,7 @@
             <a:fld id="{3CADBD16-5BFB-4D9F-9646-C75D1B53BBB6}" type="datetimeFigureOut">
               <a:rPr lang="en-US" smtClean="0"/>
               <a:pPr/>
-              <a:t>6/8/23</a:t>
+              <a:t>7/13/23</a:t>
             </a:fld>
             <a:endParaRPr lang="en-US" dirty="0"/>
           </a:p>
@@ -1169,7 +1171,7 @@
             <a:fld id="{3CADBD16-5BFB-4D9F-9646-C75D1B53BBB6}" type="datetimeFigureOut">
               <a:rPr lang="en-US" smtClean="0"/>
               <a:pPr/>
-              <a:t>6/8/23</a:t>
+              <a:t>7/13/23</a:t>
             </a:fld>
             <a:endParaRPr lang="en-US" dirty="0"/>
           </a:p>
@@ -1491,7 +1493,7 @@
           <a:p>
             <a:fld id="{3CADBD16-5BFB-4D9F-9646-C75D1B53BBB6}" type="datetimeFigureOut">
               <a:rPr lang="en-US" smtClean="0"/>
-              <a:t>6/8/23</a:t>
+              <a:t>7/13/23</a:t>
             </a:fld>
             <a:endParaRPr lang="en-US"/>
           </a:p>
@@ -1952,7 +1954,7 @@
             <a:fld id="{3CADBD16-5BFB-4D9F-9646-C75D1B53BBB6}" type="datetimeFigureOut">
               <a:rPr lang="en-US" smtClean="0"/>
               <a:pPr/>
-              <a:t>6/8/23</a:t>
+              <a:t>7/13/23</a:t>
             </a:fld>
             <a:endParaRPr lang="en-US" dirty="0"/>
           </a:p>
@@ -2365,7 +2367,7 @@
             <a:fld id="{3CADBD16-5BFB-4D9F-9646-C75D1B53BBB6}" type="datetimeFigureOut">
               <a:rPr lang="en-US" smtClean="0"/>
               <a:pPr/>
-              <a:t>6/8/23</a:t>
+              <a:t>7/13/23</a:t>
             </a:fld>
             <a:endParaRPr lang="en-US" dirty="0"/>
           </a:p>
@@ -2484,7 +2486,7 @@
           <a:p>
             <a:fld id="{3CADBD16-5BFB-4D9F-9646-C75D1B53BBB6}" type="datetimeFigureOut">
               <a:rPr lang="en-US" smtClean="0"/>
-              <a:t>6/8/23</a:t>
+              <a:t>7/13/23</a:t>
             </a:fld>
             <a:endParaRPr lang="en-US"/>
           </a:p>
@@ -2601,7 +2603,7 @@
           <a:p>
             <a:fld id="{3CADBD16-5BFB-4D9F-9646-C75D1B53BBB6}" type="datetimeFigureOut">
               <a:rPr lang="en-US" smtClean="0"/>
-              <a:t>6/8/23</a:t>
+              <a:t>7/13/23</a:t>
             </a:fld>
             <a:endParaRPr lang="en-US"/>
           </a:p>
@@ -2960,7 +2962,7 @@
             <a:fld id="{3CADBD16-5BFB-4D9F-9646-C75D1B53BBB6}" type="datetimeFigureOut">
               <a:rPr lang="en-US" smtClean="0"/>
               <a:pPr/>
-              <a:t>6/8/23</a:t>
+              <a:t>7/13/23</a:t>
             </a:fld>
             <a:endParaRPr lang="en-US" dirty="0"/>
           </a:p>
@@ -3469,7 +3471,7 @@
             <a:fld id="{3CADBD16-5BFB-4D9F-9646-C75D1B53BBB6}" type="datetimeFigureOut">
               <a:rPr lang="en-US" smtClean="0"/>
               <a:pPr/>
-              <a:t>6/8/23</a:t>
+              <a:t>7/13/23</a:t>
             </a:fld>
             <a:endParaRPr lang="en-US" dirty="0"/>
           </a:p>
@@ -3826,7 +3828,7 @@
             <a:fld id="{3CADBD16-5BFB-4D9F-9646-C75D1B53BBB6}" type="datetimeFigureOut">
               <a:rPr lang="en-US" smtClean="0"/>
               <a:pPr/>
-              <a:t>6/8/23</a:t>
+              <a:t>7/13/23</a:t>
             </a:fld>
             <a:endParaRPr lang="en-US" dirty="0"/>
           </a:p>
@@ -5043,8 +5045,30 @@
               </a:lnSpc>
             </a:pPr>
             <a:r>
-              <a:rPr lang="en-US" sz="2400" dirty="0"/>
-              <a:t>Let’s say, you have a corpus of 1 million documents</a:t>
+              <a:rPr lang="en-US" sz="2800" dirty="0"/>
+              <a:t>So what’s the problem of bag of words model?</a:t>
+            </a:r>
+          </a:p>
+          <a:p>
+            <a:pPr>
+              <a:lnSpc>
+                <a:spcPct val="150000"/>
+              </a:lnSpc>
+            </a:pPr>
+            <a:r>
+              <a:rPr lang="en-US" sz="2800" dirty="0"/>
+              <a:t>We may need to implement a mechanism to reduce the impact of frequently occurring terms in the collection</a:t>
+            </a:r>
+          </a:p>
+          <a:p>
+            <a:pPr>
+              <a:lnSpc>
+                <a:spcPct val="150000"/>
+              </a:lnSpc>
+            </a:pPr>
+            <a:r>
+              <a:rPr lang="en-US" sz="2800" dirty="0"/>
+              <a:t>“dog” 3 times in document A and 100 times in document B</a:t>
             </a:r>
           </a:p>
           <a:p>
@@ -5054,8 +5078,8 @@
               </a:lnSpc>
             </a:pPr>
             <a:r>
-              <a:rPr lang="en-US" sz="2000" dirty="0"/>
-              <a:t>Consider the term “cat”</a:t>
+              <a:rPr lang="en-US" sz="2600" dirty="0"/>
+              <a:t>“dog” is way more important to document B?</a:t>
             </a:r>
           </a:p>
           <a:p>
@@ -5065,69 +5089,24 @@
               </a:lnSpc>
             </a:pPr>
             <a:r>
-              <a:rPr lang="en-US" sz="2000" dirty="0"/>
-              <a:t>Suppose you have exactly 1 document that contains it</a:t>
-            </a:r>
-          </a:p>
-          <a:p>
-            <a:pPr lvl="2">
-              <a:lnSpc>
-                <a:spcPct val="150000"/>
-              </a:lnSpc>
-            </a:pPr>
-            <a:r>
-              <a:rPr lang="en-US" sz="1800" dirty="0"/>
-              <a:t>The raw IDF: 1,000,000/1</a:t>
-            </a:r>
-          </a:p>
-          <a:p>
-            <a:pPr lvl="1">
-              <a:lnSpc>
-                <a:spcPct val="150000"/>
-              </a:lnSpc>
-            </a:pPr>
-            <a:r>
-              <a:rPr lang="en-US" sz="2000" dirty="0"/>
-              <a:t>Now suppose there are 10 documents with the term “dog”</a:t>
-            </a:r>
-          </a:p>
-          <a:p>
-            <a:pPr lvl="2">
-              <a:lnSpc>
-                <a:spcPct val="150000"/>
-              </a:lnSpc>
-            </a:pPr>
-            <a:r>
-              <a:rPr lang="en-US" sz="1800" dirty="0"/>
-              <a:t>The raw IDF: 1,000,000/10 = 100,000</a:t>
-            </a:r>
-          </a:p>
-          <a:p>
-            <a:pPr>
-              <a:lnSpc>
-                <a:spcPct val="150000"/>
-              </a:lnSpc>
-            </a:pPr>
-            <a:r>
-              <a:rPr lang="en-US" sz="2400" dirty="0"/>
-              <a:t>The base of log function is not important, because you only want to make the frequency distribution uniform, not to scale it within a particular numerical range </a:t>
-            </a:r>
-          </a:p>
-          <a:p>
-            <a:pPr marL="0" indent="0">
-              <a:lnSpc>
-                <a:spcPct val="150000"/>
-              </a:lnSpc>
-              <a:buNone/>
-            </a:pPr>
-            <a:endParaRPr lang="en-US" sz="2400" dirty="0"/>
+              <a:rPr lang="en-US" sz="2600" dirty="0"/>
+              <a:t>What if A is 30-word email and B is </a:t>
+            </a:r>
+            <a:r>
+              <a:rPr lang="en-US" sz="2600" dirty="0" err="1"/>
+              <a:t>War&amp;Peace</a:t>
+            </a:r>
+            <a:r>
+              <a:rPr lang="en-US" sz="2600" dirty="0"/>
+              <a:t> (580,000 words)</a:t>
+            </a:r>
           </a:p>
         </p:txBody>
       </p:sp>
     </p:spTree>
     <p:extLst>
       <p:ext uri="{BB962C8B-B14F-4D97-AF65-F5344CB8AC3E}">
-        <p14:creationId xmlns:p14="http://schemas.microsoft.com/office/powerpoint/2010/main" val="4154632669"/>
+        <p14:creationId xmlns:p14="http://schemas.microsoft.com/office/powerpoint/2010/main" val="2086715165"/>
       </p:ext>
     </p:extLst>
   </p:cSld>
@@ -5138,6 +5117,452 @@
 </file>
 
 <file path=ppt/slides/slide11.xml><?xml version="1.0" encoding="utf-8"?>
+<p:sld xmlns:a="http://schemas.openxmlformats.org/drawingml/2006/main" xmlns:r="http://schemas.openxmlformats.org/officeDocument/2006/relationships" xmlns:p="http://schemas.openxmlformats.org/presentationml/2006/main">
+  <p:cSld>
+    <p:spTree>
+      <p:nvGrpSpPr>
+        <p:cNvPr id="1" name=""/>
+        <p:cNvGrpSpPr/>
+        <p:nvPr/>
+      </p:nvGrpSpPr>
+      <p:grpSpPr>
+        <a:xfrm>
+          <a:off x="0" y="0"/>
+          <a:ext cx="0" cy="0"/>
+          <a:chOff x="0" y="0"/>
+          <a:chExt cx="0" cy="0"/>
+        </a:xfrm>
+      </p:grpSpPr>
+      <p:sp>
+        <p:nvSpPr>
+          <p:cNvPr id="3" name="Content Placeholder 2">
+            <a:extLst>
+              <a:ext uri="{FF2B5EF4-FFF2-40B4-BE49-F238E27FC236}">
+                <a16:creationId xmlns:a16="http://schemas.microsoft.com/office/drawing/2014/main" id="{875C8943-9FB9-9CD2-E02E-DAA67F1AF5CC}"/>
+              </a:ext>
+            </a:extLst>
+          </p:cNvPr>
+          <p:cNvSpPr>
+            <a:spLocks noGrp="1"/>
+          </p:cNvSpPr>
+          <p:nvPr>
+            <p:ph idx="1"/>
+          </p:nvPr>
+        </p:nvSpPr>
+        <p:spPr>
+          <a:xfrm>
+            <a:off x="1069848" y="725214"/>
+            <a:ext cx="10058400" cy="5446986"/>
+          </a:xfrm>
+        </p:spPr>
+        <p:txBody>
+          <a:bodyPr>
+            <a:normAutofit/>
+          </a:bodyPr>
+          <a:lstStyle/>
+          <a:p>
+            <a:pPr>
+              <a:lnSpc>
+                <a:spcPct val="200000"/>
+              </a:lnSpc>
+            </a:pPr>
+            <a:r>
+              <a:rPr lang="en-US" sz="2400" dirty="0"/>
+              <a:t>TF(“dog”, document A) = 3/30 = 0.1</a:t>
+            </a:r>
+          </a:p>
+          <a:p>
+            <a:pPr>
+              <a:lnSpc>
+                <a:spcPct val="200000"/>
+              </a:lnSpc>
+            </a:pPr>
+            <a:r>
+              <a:rPr lang="en-US" sz="2400" dirty="0"/>
+              <a:t>TF(“dog”, document B) = 100/580000 = 0.00017</a:t>
+            </a:r>
+          </a:p>
+          <a:p>
+            <a:pPr>
+              <a:lnSpc>
+                <a:spcPct val="200000"/>
+              </a:lnSpc>
+            </a:pPr>
+            <a:r>
+              <a:rPr lang="en-US" sz="2400" dirty="0"/>
+              <a:t>Higher frequency of the terms might imply something…</a:t>
+            </a:r>
+          </a:p>
+          <a:p>
+            <a:pPr lvl="1">
+              <a:lnSpc>
+                <a:spcPct val="200000"/>
+              </a:lnSpc>
+            </a:pPr>
+            <a:r>
+              <a:rPr lang="en-US" sz="2200" dirty="0"/>
+              <a:t>Text representation</a:t>
+            </a:r>
+          </a:p>
+          <a:p>
+            <a:pPr>
+              <a:lnSpc>
+                <a:spcPct val="200000"/>
+              </a:lnSpc>
+            </a:pPr>
+            <a:r>
+              <a:rPr lang="en-US" sz="2400" dirty="0"/>
+              <a:t>Distribution of terms across the documents would matter?</a:t>
+            </a:r>
+          </a:p>
+          <a:p>
+            <a:pPr>
+              <a:lnSpc>
+                <a:spcPct val="200000"/>
+              </a:lnSpc>
+            </a:pPr>
+            <a:endParaRPr lang="en-US" sz="1800" dirty="0"/>
+          </a:p>
+          <a:p>
+            <a:pPr marL="0" indent="0">
+              <a:lnSpc>
+                <a:spcPct val="200000"/>
+              </a:lnSpc>
+              <a:buNone/>
+            </a:pPr>
+            <a:endParaRPr lang="en-US" sz="2400" dirty="0"/>
+          </a:p>
+        </p:txBody>
+      </p:sp>
+    </p:spTree>
+    <p:extLst>
+      <p:ext uri="{BB962C8B-B14F-4D97-AF65-F5344CB8AC3E}">
+        <p14:creationId xmlns:p14="http://schemas.microsoft.com/office/powerpoint/2010/main" val="2392008694"/>
+      </p:ext>
+    </p:extLst>
+  </p:cSld>
+  <p:clrMapOvr>
+    <a:masterClrMapping/>
+  </p:clrMapOvr>
+</p:sld>
+</file>
+
+<file path=ppt/slides/slide12.xml><?xml version="1.0" encoding="utf-8"?>
+<p:sld xmlns:a="http://schemas.openxmlformats.org/drawingml/2006/main" xmlns:r="http://schemas.openxmlformats.org/officeDocument/2006/relationships" xmlns:p="http://schemas.openxmlformats.org/presentationml/2006/main">
+  <p:cSld>
+    <p:spTree>
+      <p:nvGrpSpPr>
+        <p:cNvPr id="1" name=""/>
+        <p:cNvGrpSpPr/>
+        <p:nvPr/>
+      </p:nvGrpSpPr>
+      <p:grpSpPr>
+        <a:xfrm>
+          <a:off x="0" y="0"/>
+          <a:ext cx="0" cy="0"/>
+          <a:chOff x="0" y="0"/>
+          <a:chExt cx="0" cy="0"/>
+        </a:xfrm>
+      </p:grpSpPr>
+      <mc:AlternateContent xmlns:mc="http://schemas.openxmlformats.org/markup-compatibility/2006" xmlns:a14="http://schemas.microsoft.com/office/drawing/2010/main">
+        <mc:Choice Requires="a14">
+          <p:sp>
+            <p:nvSpPr>
+              <p:cNvPr id="3" name="Content Placeholder 2">
+                <a:extLst>
+                  <a:ext uri="{FF2B5EF4-FFF2-40B4-BE49-F238E27FC236}">
+                    <a16:creationId xmlns:a16="http://schemas.microsoft.com/office/drawing/2014/main" id="{875C8943-9FB9-9CD2-E02E-DAA67F1AF5CC}"/>
+                  </a:ext>
+                </a:extLst>
+              </p:cNvPr>
+              <p:cNvSpPr>
+                <a:spLocks noGrp="1"/>
+              </p:cNvSpPr>
+              <p:nvPr>
+                <p:ph idx="1"/>
+              </p:nvPr>
+            </p:nvSpPr>
+            <p:spPr>
+              <a:xfrm>
+                <a:off x="1069848" y="725214"/>
+                <a:ext cx="10058400" cy="5446986"/>
+              </a:xfrm>
+            </p:spPr>
+            <p:txBody>
+              <a:bodyPr>
+                <a:normAutofit/>
+              </a:bodyPr>
+              <a:lstStyle/>
+              <a:p>
+                <a:pPr>
+                  <a:lnSpc>
+                    <a:spcPct val="150000"/>
+                  </a:lnSpc>
+                </a:pPr>
+                <a:r>
+                  <a:rPr lang="en-US" sz="2600" dirty="0"/>
+                  <a:t>Document frequency </a:t>
+                </a:r>
+                <a14:m>
+                  <m:oMath xmlns:m="http://schemas.openxmlformats.org/officeDocument/2006/math">
+                    <m:sSub>
+                      <m:sSubPr>
+                        <m:ctrlPr>
+                          <a:rPr lang="en-US" sz="2600" b="0" i="1" smtClean="0">
+                            <a:latin typeface="Cambria Math" panose="02040503050406030204" pitchFamily="18" charset="0"/>
+                          </a:rPr>
+                        </m:ctrlPr>
+                      </m:sSubPr>
+                      <m:e>
+                        <m:r>
+                          <m:rPr>
+                            <m:sty m:val="p"/>
+                          </m:rPr>
+                          <a:rPr lang="en-US" sz="2600" b="0" i="0" smtClean="0">
+                            <a:latin typeface="Cambria Math" panose="02040503050406030204" pitchFamily="18" charset="0"/>
+                          </a:rPr>
+                          <m:t>df</m:t>
+                        </m:r>
+                      </m:e>
+                      <m:sub>
+                        <m:r>
+                          <a:rPr lang="en-US" sz="2600" b="0" i="1" smtClean="0">
+                            <a:latin typeface="Cambria Math" panose="02040503050406030204" pitchFamily="18" charset="0"/>
+                          </a:rPr>
+                          <m:t>𝑡</m:t>
+                        </m:r>
+                      </m:sub>
+                    </m:sSub>
+                  </m:oMath>
+                </a14:m>
+                <a:r>
+                  <a:rPr lang="en-US" sz="2600" dirty="0"/>
+                  <a:t>: the number of documents in the collection including a term t</a:t>
+                </a:r>
+              </a:p>
+              <a:p>
+                <a:pPr>
+                  <a:lnSpc>
+                    <a:spcPct val="150000"/>
+                  </a:lnSpc>
+                </a:pPr>
+                <a:r>
+                  <a:rPr lang="en-US" sz="2800" dirty="0"/>
+                  <a:t>Define the inverse document frequency (</a:t>
+                </a:r>
+                <a:r>
+                  <a:rPr lang="en-US" sz="2800" dirty="0" err="1"/>
+                  <a:t>idf</a:t>
+                </a:r>
+                <a:r>
+                  <a:rPr lang="en-US" sz="2800" dirty="0"/>
+                  <a:t>) of a term t</a:t>
+                </a:r>
+              </a:p>
+              <a:p>
+                <a:pPr lvl="1">
+                  <a:lnSpc>
+                    <a:spcPct val="150000"/>
+                  </a:lnSpc>
+                </a:pPr>
+                <a14:m>
+                  <m:oMath xmlns:m="http://schemas.openxmlformats.org/officeDocument/2006/math">
+                    <m:sSub>
+                      <m:sSubPr>
+                        <m:ctrlPr>
+                          <a:rPr lang="en-US" sz="2400" b="0" i="1" smtClean="0">
+                            <a:latin typeface="Cambria Math" panose="02040503050406030204" pitchFamily="18" charset="0"/>
+                          </a:rPr>
+                        </m:ctrlPr>
+                      </m:sSubPr>
+                      <m:e>
+                        <m:r>
+                          <m:rPr>
+                            <m:sty m:val="p"/>
+                          </m:rPr>
+                          <a:rPr lang="en-US" sz="2400" b="0" i="0" smtClean="0">
+                            <a:latin typeface="Cambria Math" panose="02040503050406030204" pitchFamily="18" charset="0"/>
+                          </a:rPr>
+                          <m:t>idf</m:t>
+                        </m:r>
+                      </m:e>
+                      <m:sub>
+                        <m:r>
+                          <a:rPr lang="en-US" sz="2400" b="0" i="1" smtClean="0">
+                            <a:latin typeface="Cambria Math" panose="02040503050406030204" pitchFamily="18" charset="0"/>
+                          </a:rPr>
+                          <m:t>𝑡</m:t>
+                        </m:r>
+                      </m:sub>
+                    </m:sSub>
+                    <m:r>
+                      <a:rPr lang="en-US" sz="2400" b="0" i="1" smtClean="0">
+                        <a:latin typeface="Cambria Math" panose="02040503050406030204" pitchFamily="18" charset="0"/>
+                      </a:rPr>
+                      <m:t>=</m:t>
+                    </m:r>
+                    <m:func>
+                      <m:funcPr>
+                        <m:ctrlPr>
+                          <a:rPr lang="en-US" sz="2400" b="0" i="1" smtClean="0">
+                            <a:latin typeface="Cambria Math" panose="02040503050406030204" pitchFamily="18" charset="0"/>
+                          </a:rPr>
+                        </m:ctrlPr>
+                      </m:funcPr>
+                      <m:fName>
+                        <m:r>
+                          <m:rPr>
+                            <m:sty m:val="p"/>
+                          </m:rPr>
+                          <a:rPr lang="en-US" sz="2400" b="0" i="0" smtClean="0">
+                            <a:latin typeface="Cambria Math" panose="02040503050406030204" pitchFamily="18" charset="0"/>
+                          </a:rPr>
+                          <m:t>log</m:t>
+                        </m:r>
+                      </m:fName>
+                      <m:e>
+                        <m:f>
+                          <m:fPr>
+                            <m:ctrlPr>
+                              <a:rPr lang="en-US" sz="2400" b="0" i="1" smtClean="0">
+                                <a:latin typeface="Cambria Math" panose="02040503050406030204" pitchFamily="18" charset="0"/>
+                              </a:rPr>
+                            </m:ctrlPr>
+                          </m:fPr>
+                          <m:num>
+                            <m:r>
+                              <a:rPr lang="en-US" sz="2400" b="0" i="1" smtClean="0">
+                                <a:latin typeface="Cambria Math" panose="02040503050406030204" pitchFamily="18" charset="0"/>
+                              </a:rPr>
+                              <m:t>𝑁</m:t>
+                            </m:r>
+                          </m:num>
+                          <m:den>
+                            <m:sSub>
+                              <m:sSubPr>
+                                <m:ctrlPr>
+                                  <a:rPr lang="en-US" sz="2400" b="0" i="1" smtClean="0">
+                                    <a:latin typeface="Cambria Math" panose="02040503050406030204" pitchFamily="18" charset="0"/>
+                                  </a:rPr>
+                                </m:ctrlPr>
+                              </m:sSubPr>
+                              <m:e>
+                                <m:r>
+                                  <m:rPr>
+                                    <m:sty m:val="p"/>
+                                  </m:rPr>
+                                  <a:rPr lang="en-US" sz="2400" b="0" i="0" smtClean="0">
+                                    <a:latin typeface="Cambria Math" panose="02040503050406030204" pitchFamily="18" charset="0"/>
+                                  </a:rPr>
+                                  <m:t>df</m:t>
+                                </m:r>
+                              </m:e>
+                              <m:sub>
+                                <m:r>
+                                  <m:rPr>
+                                    <m:sty m:val="p"/>
+                                  </m:rPr>
+                                  <a:rPr lang="en-US" sz="2400" b="0" i="0" smtClean="0">
+                                    <a:latin typeface="Cambria Math" panose="02040503050406030204" pitchFamily="18" charset="0"/>
+                                  </a:rPr>
+                                  <m:t>t</m:t>
+                                </m:r>
+                              </m:sub>
+                            </m:sSub>
+                            <m:r>
+                              <a:rPr lang="en-US" sz="2400" b="0" i="1" smtClean="0">
+                                <a:latin typeface="Cambria Math" panose="02040503050406030204" pitchFamily="18" charset="0"/>
+                              </a:rPr>
+                              <m:t> </m:t>
+                            </m:r>
+                          </m:den>
+                        </m:f>
+                      </m:e>
+                    </m:func>
+                  </m:oMath>
+                </a14:m>
+                <a:endParaRPr lang="en-US" sz="2400" dirty="0"/>
+              </a:p>
+              <a:p>
+                <a:pPr>
+                  <a:lnSpc>
+                    <a:spcPct val="150000"/>
+                  </a:lnSpc>
+                </a:pPr>
+                <a:r>
+                  <a:rPr lang="en-US" sz="2800" dirty="0"/>
+                  <a:t>How is this used to scale the term weight?</a:t>
+                </a:r>
+              </a:p>
+              <a:p>
+                <a:pPr>
+                  <a:lnSpc>
+                    <a:spcPct val="150000"/>
+                  </a:lnSpc>
+                </a:pPr>
+                <a:endParaRPr lang="en-US" sz="2800" dirty="0"/>
+              </a:p>
+            </p:txBody>
+          </p:sp>
+        </mc:Choice>
+        <mc:Fallback xmlns="">
+          <p:sp>
+            <p:nvSpPr>
+              <p:cNvPr id="3" name="Content Placeholder 2">
+                <a:extLst>
+                  <a:ext uri="{FF2B5EF4-FFF2-40B4-BE49-F238E27FC236}">
+                    <a16:creationId xmlns:a16="http://schemas.microsoft.com/office/drawing/2014/main" id="{875C8943-9FB9-9CD2-E02E-DAA67F1AF5CC}"/>
+                  </a:ext>
+                </a:extLst>
+              </p:cNvPr>
+              <p:cNvSpPr>
+                <a:spLocks noGrp="1" noRot="1" noChangeAspect="1" noMove="1" noResize="1" noEditPoints="1" noAdjustHandles="1" noChangeArrowheads="1" noChangeShapeType="1" noTextEdit="1"/>
+              </p:cNvSpPr>
+              <p:nvPr>
+                <p:ph idx="1"/>
+              </p:nvPr>
+            </p:nvSpPr>
+            <p:spPr>
+              <a:xfrm>
+                <a:off x="1069848" y="725214"/>
+                <a:ext cx="10058400" cy="5446986"/>
+              </a:xfrm>
+              <a:blipFill>
+                <a:blip r:embed="rId2"/>
+                <a:stretch>
+                  <a:fillRect l="-757"/>
+                </a:stretch>
+              </a:blipFill>
+            </p:spPr>
+            <p:txBody>
+              <a:bodyPr/>
+              <a:lstStyle/>
+              <a:p>
+                <a:r>
+                  <a:rPr lang="en-US">
+                    <a:noFill/>
+                  </a:rPr>
+                  <a:t> </a:t>
+                </a:r>
+              </a:p>
+            </p:txBody>
+          </p:sp>
+        </mc:Fallback>
+      </mc:AlternateContent>
+    </p:spTree>
+    <p:extLst>
+      <p:ext uri="{BB962C8B-B14F-4D97-AF65-F5344CB8AC3E}">
+        <p14:creationId xmlns:p14="http://schemas.microsoft.com/office/powerpoint/2010/main" val="3752512859"/>
+      </p:ext>
+    </p:extLst>
+  </p:cSld>
+  <p:clrMapOvr>
+    <a:masterClrMapping/>
+  </p:clrMapOvr>
+</p:sld>
+</file>
+
+<file path=ppt/slides/slide13.xml><?xml version="1.0" encoding="utf-8"?>
 <p:sld xmlns:a="http://schemas.openxmlformats.org/drawingml/2006/main" xmlns:r="http://schemas.openxmlformats.org/officeDocument/2006/relationships" xmlns:p="http://schemas.openxmlformats.org/presentationml/2006/main">
   <p:cSld>
     <p:spTree>
@@ -5318,7 +5743,7 @@
 </p:sld>
 </file>
 
-<file path=ppt/slides/slide12.xml><?xml version="1.0" encoding="utf-8"?>
+<file path=ppt/slides/slide14.xml><?xml version="1.0" encoding="utf-8"?>
 <p:sld xmlns:a="http://schemas.openxmlformats.org/drawingml/2006/main" xmlns:r="http://schemas.openxmlformats.org/officeDocument/2006/relationships" xmlns:p="http://schemas.openxmlformats.org/presentationml/2006/main">
   <p:cSld>
     <p:spTree>
@@ -5706,7 +6131,7 @@
 </p:sld>
 </file>
 
-<file path=ppt/slides/slide13.xml><?xml version="1.0" encoding="utf-8"?>
+<file path=ppt/slides/slide15.xml><?xml version="1.0" encoding="utf-8"?>
 <p:sld xmlns:a="http://schemas.openxmlformats.org/drawingml/2006/main" xmlns:r="http://schemas.openxmlformats.org/officeDocument/2006/relationships" xmlns:p="http://schemas.openxmlformats.org/presentationml/2006/main">
   <p:cSld>
     <p:spTree>
@@ -5962,7 +6387,7 @@
 </p:sld>
 </file>
 
-<file path=ppt/slides/slide14.xml><?xml version="1.0" encoding="utf-8"?>
+<file path=ppt/slides/slide16.xml><?xml version="1.0" encoding="utf-8"?>
 <p:sld xmlns:a="http://schemas.openxmlformats.org/drawingml/2006/main" xmlns:r="http://schemas.openxmlformats.org/officeDocument/2006/relationships" xmlns:p="http://schemas.openxmlformats.org/presentationml/2006/main">
   <p:cSld>
     <p:spTree>
@@ -6033,7 +6458,7 @@
               <a:lstStyle/>
               <a:p>
                 <a:r>
-                  <a:rPr lang="en-US" sz="2800" dirty="0"/>
+                  <a:rPr lang="en-US" sz="3600" dirty="0"/>
                   <a:t>Introduce the overlap score measure</a:t>
                 </a:r>
               </a:p>
@@ -6045,7 +6470,7 @@
                       <m:rPr>
                         <m:sty m:val="p"/>
                       </m:rPr>
-                      <a:rPr lang="en-US" sz="2400" b="0" i="0" smtClean="0">
+                      <a:rPr lang="en-US" sz="3200" b="0" i="0" smtClean="0">
                         <a:latin typeface="Cambria Math" panose="02040503050406030204" pitchFamily="18" charset="0"/>
                       </a:rPr>
                       <m:t>Score</m:t>
@@ -6053,26 +6478,26 @@
                     <m:d>
                       <m:dPr>
                         <m:ctrlPr>
-                          <a:rPr lang="en-US" sz="2400" b="0" i="1" smtClean="0">
+                          <a:rPr lang="en-US" sz="3200" b="0" i="1" smtClean="0">
                             <a:latin typeface="Cambria Math" panose="02040503050406030204" pitchFamily="18" charset="0"/>
                           </a:rPr>
                         </m:ctrlPr>
                       </m:dPr>
                       <m:e>
                         <m:r>
-                          <a:rPr lang="en-US" sz="2400" b="0" i="1" smtClean="0">
+                          <a:rPr lang="en-US" sz="3200" b="0" i="1" smtClean="0">
                             <a:latin typeface="Cambria Math" panose="02040503050406030204" pitchFamily="18" charset="0"/>
                           </a:rPr>
                           <m:t>𝑞</m:t>
                         </m:r>
                         <m:r>
-                          <a:rPr lang="en-US" sz="2400" b="0" i="1" smtClean="0">
+                          <a:rPr lang="en-US" sz="3200" b="0" i="1" smtClean="0">
                             <a:latin typeface="Cambria Math" panose="02040503050406030204" pitchFamily="18" charset="0"/>
                           </a:rPr>
                           <m:t>,</m:t>
                         </m:r>
                         <m:r>
-                          <a:rPr lang="en-US" sz="2400" b="0" i="1" smtClean="0">
+                          <a:rPr lang="en-US" sz="3200" b="0" i="1" smtClean="0">
                             <a:latin typeface="Cambria Math" panose="02040503050406030204" pitchFamily="18" charset="0"/>
                           </a:rPr>
                           <m:t>𝑑</m:t>
@@ -6080,7 +6505,7 @@
                       </m:e>
                     </m:d>
                     <m:r>
-                      <a:rPr lang="en-US" sz="2400" b="0" i="1" smtClean="0">
+                      <a:rPr lang="en-US" sz="3200" b="0" i="1" smtClean="0">
                         <a:latin typeface="Cambria Math" panose="02040503050406030204" pitchFamily="18" charset="0"/>
                       </a:rPr>
                       <m:t>=</m:t>
@@ -6088,14 +6513,14 @@
                     <m:sSub>
                       <m:sSubPr>
                         <m:ctrlPr>
-                          <a:rPr lang="en-US" sz="2400" b="0" i="1" smtClean="0">
+                          <a:rPr lang="en-US" sz="3200" b="0" i="1" smtClean="0">
                             <a:latin typeface="Cambria Math" panose="02040503050406030204" pitchFamily="18" charset="0"/>
                           </a:rPr>
                         </m:ctrlPr>
                       </m:sSubPr>
                       <m:e>
                         <m:r>
-                          <a:rPr lang="en-US" sz="2400" b="0" i="1" smtClean="0">
+                          <a:rPr lang="en-US" sz="3200" b="0" i="1" smtClean="0">
                             <a:latin typeface="Cambria Math" panose="02040503050406030204" pitchFamily="18" charset="0"/>
                           </a:rPr>
                           <m:t>∑</m:t>
@@ -6103,19 +6528,19 @@
                       </m:e>
                       <m:sub>
                         <m:r>
-                          <a:rPr lang="en-US" sz="2400" b="0" i="1" smtClean="0">
+                          <a:rPr lang="en-US" sz="3200" b="0" i="1" smtClean="0">
                             <a:latin typeface="Cambria Math" panose="02040503050406030204" pitchFamily="18" charset="0"/>
                           </a:rPr>
                           <m:t>𝑡</m:t>
                         </m:r>
                         <m:r>
-                          <a:rPr lang="en-US" sz="2400" b="0" i="1" smtClean="0">
+                          <a:rPr lang="en-US" sz="3200" b="0" i="1" smtClean="0">
                             <a:latin typeface="Cambria Math" panose="02040503050406030204" pitchFamily="18" charset="0"/>
                           </a:rPr>
                           <m:t>∈</m:t>
                         </m:r>
                         <m:r>
-                          <a:rPr lang="en-US" sz="2400" b="0" i="1" smtClean="0">
+                          <a:rPr lang="en-US" sz="3200" b="0" i="1" smtClean="0">
                             <a:latin typeface="Cambria Math" panose="02040503050406030204" pitchFamily="18" charset="0"/>
                           </a:rPr>
                           <m:t>𝑞</m:t>
@@ -6125,7 +6550,7 @@
                     <m:sSub>
                       <m:sSubPr>
                         <m:ctrlPr>
-                          <a:rPr lang="en-US" sz="2400" b="0" i="1" smtClean="0">
+                          <a:rPr lang="en-US" sz="3200" b="0" i="1" smtClean="0">
                             <a:latin typeface="Cambria Math" panose="02040503050406030204" pitchFamily="18" charset="0"/>
                           </a:rPr>
                         </m:ctrlPr>
@@ -6135,7 +6560,7 @@
                           <m:rPr>
                             <m:sty m:val="p"/>
                           </m:rPr>
-                          <a:rPr lang="en-US" sz="2400" b="0" i="0" smtClean="0">
+                          <a:rPr lang="en-US" sz="3200" b="0" i="0" smtClean="0">
                             <a:latin typeface="Cambria Math" panose="02040503050406030204" pitchFamily="18" charset="0"/>
                           </a:rPr>
                           <m:t>tfidf</m:t>
@@ -6143,19 +6568,19 @@
                       </m:e>
                       <m:sub>
                         <m:r>
-                          <a:rPr lang="en-US" sz="2400" b="0" i="1" smtClean="0">
+                          <a:rPr lang="en-US" sz="3200" b="0" i="1" smtClean="0">
                             <a:latin typeface="Cambria Math" panose="02040503050406030204" pitchFamily="18" charset="0"/>
                           </a:rPr>
                           <m:t>𝑡</m:t>
                         </m:r>
                         <m:r>
-                          <a:rPr lang="en-US" sz="2400" b="0" i="1" smtClean="0">
+                          <a:rPr lang="en-US" sz="3200" b="0" i="1" smtClean="0">
                             <a:latin typeface="Cambria Math" panose="02040503050406030204" pitchFamily="18" charset="0"/>
                           </a:rPr>
                           <m:t>,</m:t>
                         </m:r>
                         <m:r>
-                          <a:rPr lang="en-US" sz="2400" b="0" i="1" smtClean="0">
+                          <a:rPr lang="en-US" sz="3200" b="0" i="1" smtClean="0">
                             <a:latin typeface="Cambria Math" panose="02040503050406030204" pitchFamily="18" charset="0"/>
                           </a:rPr>
                           <m:t>𝑑</m:t>
@@ -6164,44 +6589,44 @@
                     </m:sSub>
                   </m:oMath>
                 </a14:m>
-                <a:endParaRPr lang="en-US" sz="2400" dirty="0"/>
+                <a:endParaRPr lang="en-US" sz="3200" dirty="0"/>
               </a:p>
               <a:p>
                 <a:pPr lvl="1"/>
                 <a:r>
-                  <a:rPr lang="en-US" sz="2400" i="1" dirty="0"/>
+                  <a:rPr lang="en-US" sz="3200" i="1" dirty="0"/>
                   <a:t>q</a:t>
                 </a:r>
                 <a:r>
-                  <a:rPr lang="en-US" sz="2400" dirty="0"/>
+                  <a:rPr lang="en-US" sz="3200" dirty="0"/>
                   <a:t>: query</a:t>
                 </a:r>
               </a:p>
               <a:p>
                 <a:pPr lvl="1"/>
                 <a:r>
-                  <a:rPr lang="en-US" sz="2400" i="1" dirty="0"/>
+                  <a:rPr lang="en-US" sz="3200" i="1" dirty="0"/>
                   <a:t>t</a:t>
                 </a:r>
                 <a:r>
-                  <a:rPr lang="en-US" sz="2400" dirty="0"/>
+                  <a:rPr lang="en-US" sz="3200" dirty="0"/>
                   <a:t>: term</a:t>
                 </a:r>
               </a:p>
               <a:p>
                 <a:pPr lvl="1"/>
                 <a:r>
-                  <a:rPr lang="en-US" sz="2400" i="1" dirty="0"/>
+                  <a:rPr lang="en-US" sz="3200" i="1" dirty="0"/>
                   <a:t>d</a:t>
                 </a:r>
                 <a:r>
-                  <a:rPr lang="en-US" sz="2400" dirty="0"/>
+                  <a:rPr lang="en-US" sz="3200" dirty="0"/>
                   <a:t>: document</a:t>
                 </a:r>
               </a:p>
               <a:p>
                 <a:r>
-                  <a:rPr lang="en-US" sz="2600" dirty="0"/>
+                  <a:rPr lang="en-US" sz="3200" dirty="0"/>
                   <a:t>What’s intuition?</a:t>
                 </a:r>
               </a:p>
@@ -6229,7 +6654,7 @@
               <a:blipFill>
                 <a:blip r:embed="rId2"/>
                 <a:stretch>
-                  <a:fillRect l="-757" t="-2813"/>
+                  <a:fillRect l="-1261" t="-4063"/>
                 </a:stretch>
               </a:blipFill>
             </p:spPr>
@@ -6261,7 +6686,7 @@
 </p:sld>
 </file>
 
-<file path=ppt/slides/slide15.xml><?xml version="1.0" encoding="utf-8"?>
+<file path=ppt/slides/slide17.xml><?xml version="1.0" encoding="utf-8"?>
 <p:sld xmlns:a="http://schemas.openxmlformats.org/drawingml/2006/main" xmlns:r="http://schemas.openxmlformats.org/officeDocument/2006/relationships" xmlns:p="http://schemas.openxmlformats.org/presentationml/2006/main">
   <p:cSld>
     <p:spTree>
@@ -6327,10 +6752,15 @@
             <p:spPr/>
             <p:txBody>
               <a:bodyPr>
-                <a:normAutofit/>
+                <a:normAutofit fontScale="92500" lnSpcReduction="20000"/>
               </a:bodyPr>
               <a:lstStyle/>
               <a:p>
+                <a:pPr>
+                  <a:lnSpc>
+                    <a:spcPct val="150000"/>
+                  </a:lnSpc>
+                </a:pPr>
                 <a:r>
                   <a:rPr lang="en-US" sz="2800" dirty="0"/>
                   <a:t>Denote </a:t>
@@ -6381,27 +6811,44 @@
                 </a:r>
               </a:p>
               <a:p>
-                <a:pPr lvl="1"/>
+                <a:pPr lvl="1">
+                  <a:lnSpc>
+                    <a:spcPct val="150000"/>
+                  </a:lnSpc>
+                </a:pPr>
                 <a:r>
                   <a:rPr lang="en-US" sz="2400" dirty="0"/>
                   <a:t>Each component is the weight for each vocabulary term</a:t>
                 </a:r>
               </a:p>
               <a:p>
-                <a:pPr lvl="1"/>
+                <a:pPr lvl="1">
+                  <a:lnSpc>
+                    <a:spcPct val="150000"/>
+                  </a:lnSpc>
+                </a:pPr>
                 <a:r>
                   <a:rPr lang="en-US" sz="2400" dirty="0"/>
                   <a:t>Vector space model</a:t>
                 </a:r>
               </a:p>
               <a:p>
-                <a:pPr lvl="2"/>
+                <a:pPr lvl="2">
+                  <a:lnSpc>
+                    <a:spcPct val="150000"/>
+                  </a:lnSpc>
+                </a:pPr>
                 <a:r>
                   <a:rPr lang="en-US" sz="2200" dirty="0"/>
                   <a:t>Salton 1975</a:t>
                 </a:r>
               </a:p>
               <a:p>
+                <a:pPr>
+                  <a:lnSpc>
+                    <a:spcPct val="150000"/>
+                  </a:lnSpc>
+                </a:pPr>
                 <a:r>
                   <a:rPr lang="en-US" sz="2800" dirty="0"/>
                   <a:t>The set of documents in a corpus may be viewed as a set of vectors in a vector space, in which there is one axis for each term</a:t>
@@ -6431,7 +6878,7 @@
               <a:blipFill>
                 <a:blip r:embed="rId2"/>
                 <a:stretch>
-                  <a:fillRect l="-757" t="-1875" r="-1261"/>
+                  <a:fillRect l="-757"/>
                 </a:stretch>
               </a:blipFill>
             </p:spPr>
@@ -6463,7 +6910,7 @@
 </p:sld>
 </file>
 
-<file path=ppt/slides/slide16.xml><?xml version="1.0" encoding="utf-8"?>
+<file path=ppt/slides/slide18.xml><?xml version="1.0" encoding="utf-8"?>
 <p:sld xmlns:a="http://schemas.openxmlformats.org/drawingml/2006/main" xmlns:r="http://schemas.openxmlformats.org/officeDocument/2006/relationships" xmlns:p="http://schemas.openxmlformats.org/presentationml/2006/main">
   <p:cSld>
     <p:spTree>
@@ -6799,7 +7246,7 @@
 </p:sld>
 </file>
 
-<file path=ppt/slides/slide17.xml><?xml version="1.0" encoding="utf-8"?>
+<file path=ppt/slides/slide19.xml><?xml version="1.0" encoding="utf-8"?>
 <p:sld xmlns:a="http://schemas.openxmlformats.org/drawingml/2006/main" xmlns:r="http://schemas.openxmlformats.org/officeDocument/2006/relationships" xmlns:p="http://schemas.openxmlformats.org/presentationml/2006/main">
   <p:cSld>
     <p:spTree>
@@ -7391,181 +7838,6 @@
     <p:extLst>
       <p:ext uri="{BB962C8B-B14F-4D97-AF65-F5344CB8AC3E}">
         <p14:creationId xmlns:p14="http://schemas.microsoft.com/office/powerpoint/2010/main" val="548377692"/>
-      </p:ext>
-    </p:extLst>
-  </p:cSld>
-  <p:clrMapOvr>
-    <a:masterClrMapping/>
-  </p:clrMapOvr>
-</p:sld>
-</file>
-
-<file path=ppt/slides/slide18.xml><?xml version="1.0" encoding="utf-8"?>
-<p:sld xmlns:a="http://schemas.openxmlformats.org/drawingml/2006/main" xmlns:r="http://schemas.openxmlformats.org/officeDocument/2006/relationships" xmlns:p="http://schemas.openxmlformats.org/presentationml/2006/main">
-  <p:cSld>
-    <p:spTree>
-      <p:nvGrpSpPr>
-        <p:cNvPr id="1" name=""/>
-        <p:cNvGrpSpPr/>
-        <p:nvPr/>
-      </p:nvGrpSpPr>
-      <p:grpSpPr>
-        <a:xfrm>
-          <a:off x="0" y="0"/>
-          <a:ext cx="0" cy="0"/>
-          <a:chOff x="0" y="0"/>
-          <a:chExt cx="0" cy="0"/>
-        </a:xfrm>
-      </p:grpSpPr>
-      <p:sp>
-        <p:nvSpPr>
-          <p:cNvPr id="2" name="Title 1">
-            <a:extLst>
-              <a:ext uri="{FF2B5EF4-FFF2-40B4-BE49-F238E27FC236}">
-                <a16:creationId xmlns:a16="http://schemas.microsoft.com/office/drawing/2014/main" id="{8BFA50FA-B126-BEA1-111E-07CF105B5164}"/>
-              </a:ext>
-            </a:extLst>
-          </p:cNvPr>
-          <p:cNvSpPr>
-            <a:spLocks noGrp="1"/>
-          </p:cNvSpPr>
-          <p:nvPr>
-            <p:ph type="title"/>
-          </p:nvPr>
-        </p:nvSpPr>
-        <p:spPr/>
-        <p:txBody>
-          <a:bodyPr/>
-          <a:lstStyle/>
-          <a:p>
-            <a:r>
-              <a:rPr lang="en-US" dirty="0"/>
-              <a:t>Example</a:t>
-            </a:r>
-          </a:p>
-        </p:txBody>
-      </p:sp>
-      <p:sp>
-        <p:nvSpPr>
-          <p:cNvPr id="3" name="Content Placeholder 2">
-            <a:extLst>
-              <a:ext uri="{FF2B5EF4-FFF2-40B4-BE49-F238E27FC236}">
-                <a16:creationId xmlns:a16="http://schemas.microsoft.com/office/drawing/2014/main" id="{A87A1333-DF1E-A249-D072-6312B6956930}"/>
-              </a:ext>
-            </a:extLst>
-          </p:cNvPr>
-          <p:cNvSpPr>
-            <a:spLocks noGrp="1"/>
-          </p:cNvSpPr>
-          <p:nvPr>
-            <p:ph idx="1"/>
-          </p:nvPr>
-        </p:nvSpPr>
-        <p:spPr/>
-        <p:txBody>
-          <a:bodyPr>
-            <a:normAutofit/>
-          </a:bodyPr>
-          <a:lstStyle/>
-          <a:p>
-            <a:r>
-              <a:rPr lang="en-US" sz="3200" dirty="0"/>
-              <a:t>Corpus</a:t>
-            </a:r>
-          </a:p>
-          <a:p>
-            <a:pPr lvl="1"/>
-            <a:r>
-              <a:rPr lang="en-US" sz="2800" dirty="0"/>
-              <a:t>Doc 0:  The sky is blue</a:t>
-            </a:r>
-          </a:p>
-          <a:p>
-            <a:pPr lvl="1"/>
-            <a:r>
-              <a:rPr lang="en-US" sz="2800" dirty="0"/>
-              <a:t>Doc 1: The sun is bright today </a:t>
-            </a:r>
-          </a:p>
-          <a:p>
-            <a:pPr lvl="1"/>
-            <a:r>
-              <a:rPr lang="en-US" sz="2800" dirty="0"/>
-              <a:t>Doc 2: The sun in the sky is bright</a:t>
-            </a:r>
-          </a:p>
-          <a:p>
-            <a:pPr lvl="1"/>
-            <a:r>
-              <a:rPr lang="en-US" sz="2800" dirty="0"/>
-              <a:t>Doc 3: We can see the shining sun the bright sun</a:t>
-            </a:r>
-          </a:p>
-        </p:txBody>
-      </p:sp>
-    </p:spTree>
-    <p:extLst>
-      <p:ext uri="{BB962C8B-B14F-4D97-AF65-F5344CB8AC3E}">
-        <p14:creationId xmlns:p14="http://schemas.microsoft.com/office/powerpoint/2010/main" val="2655532365"/>
-      </p:ext>
-    </p:extLst>
-  </p:cSld>
-  <p:clrMapOvr>
-    <a:masterClrMapping/>
-  </p:clrMapOvr>
-</p:sld>
-</file>
-
-<file path=ppt/slides/slide19.xml><?xml version="1.0" encoding="utf-8"?>
-<p:sld xmlns:a="http://schemas.openxmlformats.org/drawingml/2006/main" xmlns:r="http://schemas.openxmlformats.org/officeDocument/2006/relationships" xmlns:p="http://schemas.openxmlformats.org/presentationml/2006/main">
-  <p:cSld>
-    <p:spTree>
-      <p:nvGrpSpPr>
-        <p:cNvPr id="1" name=""/>
-        <p:cNvGrpSpPr/>
-        <p:nvPr/>
-      </p:nvGrpSpPr>
-      <p:grpSpPr>
-        <a:xfrm>
-          <a:off x="0" y="0"/>
-          <a:ext cx="0" cy="0"/>
-          <a:chOff x="0" y="0"/>
-          <a:chExt cx="0" cy="0"/>
-        </a:xfrm>
-      </p:grpSpPr>
-      <p:pic>
-        <p:nvPicPr>
-          <p:cNvPr id="5" name="Content Placeholder 4" descr="A screenshot of a test&#10;&#10;Description automatically generated with low confidence">
-            <a:extLst>
-              <a:ext uri="{FF2B5EF4-FFF2-40B4-BE49-F238E27FC236}">
-                <a16:creationId xmlns:a16="http://schemas.microsoft.com/office/drawing/2014/main" id="{7A63BACC-45A6-4A34-5DD1-AF9E65086134}"/>
-              </a:ext>
-            </a:extLst>
-          </p:cNvPr>
-          <p:cNvPicPr>
-            <a:picLocks noGrp="1" noChangeAspect="1"/>
-          </p:cNvPicPr>
-          <p:nvPr>
-            <p:ph idx="1"/>
-          </p:nvPr>
-        </p:nvPicPr>
-        <p:blipFill>
-          <a:blip r:embed="rId2"/>
-          <a:stretch>
-            <a:fillRect/>
-          </a:stretch>
-        </p:blipFill>
-        <p:spPr>
-          <a:xfrm>
-            <a:off x="2914197" y="692357"/>
-            <a:ext cx="6363606" cy="5473286"/>
-          </a:xfrm>
-        </p:spPr>
-      </p:pic>
-    </p:spTree>
-    <p:extLst>
-      <p:ext uri="{BB962C8B-B14F-4D97-AF65-F5344CB8AC3E}">
-        <p14:creationId xmlns:p14="http://schemas.microsoft.com/office/powerpoint/2010/main" val="4151052495"/>
       </p:ext>
     </p:extLst>
   </p:cSld>
@@ -7853,6 +8125,181 @@
           <p:cNvPr id="2" name="Title 1">
             <a:extLst>
               <a:ext uri="{FF2B5EF4-FFF2-40B4-BE49-F238E27FC236}">
+                <a16:creationId xmlns:a16="http://schemas.microsoft.com/office/drawing/2014/main" id="{8BFA50FA-B126-BEA1-111E-07CF105B5164}"/>
+              </a:ext>
+            </a:extLst>
+          </p:cNvPr>
+          <p:cNvSpPr>
+            <a:spLocks noGrp="1"/>
+          </p:cNvSpPr>
+          <p:nvPr>
+            <p:ph type="title"/>
+          </p:nvPr>
+        </p:nvSpPr>
+        <p:spPr/>
+        <p:txBody>
+          <a:bodyPr/>
+          <a:lstStyle/>
+          <a:p>
+            <a:r>
+              <a:rPr lang="en-US" dirty="0"/>
+              <a:t>Example</a:t>
+            </a:r>
+          </a:p>
+        </p:txBody>
+      </p:sp>
+      <p:sp>
+        <p:nvSpPr>
+          <p:cNvPr id="3" name="Content Placeholder 2">
+            <a:extLst>
+              <a:ext uri="{FF2B5EF4-FFF2-40B4-BE49-F238E27FC236}">
+                <a16:creationId xmlns:a16="http://schemas.microsoft.com/office/drawing/2014/main" id="{A87A1333-DF1E-A249-D072-6312B6956930}"/>
+              </a:ext>
+            </a:extLst>
+          </p:cNvPr>
+          <p:cNvSpPr>
+            <a:spLocks noGrp="1"/>
+          </p:cNvSpPr>
+          <p:nvPr>
+            <p:ph idx="1"/>
+          </p:nvPr>
+        </p:nvSpPr>
+        <p:spPr/>
+        <p:txBody>
+          <a:bodyPr>
+            <a:normAutofit/>
+          </a:bodyPr>
+          <a:lstStyle/>
+          <a:p>
+            <a:r>
+              <a:rPr lang="en-US" sz="3200" dirty="0"/>
+              <a:t>Corpus</a:t>
+            </a:r>
+          </a:p>
+          <a:p>
+            <a:pPr lvl="1"/>
+            <a:r>
+              <a:rPr lang="en-US" sz="2800" dirty="0"/>
+              <a:t>Doc 0:  The sky is blue</a:t>
+            </a:r>
+          </a:p>
+          <a:p>
+            <a:pPr lvl="1"/>
+            <a:r>
+              <a:rPr lang="en-US" sz="2800" dirty="0"/>
+              <a:t>Doc 1: The sun is bright today </a:t>
+            </a:r>
+          </a:p>
+          <a:p>
+            <a:pPr lvl="1"/>
+            <a:r>
+              <a:rPr lang="en-US" sz="2800" dirty="0"/>
+              <a:t>Doc 2: The sun in the sky is bright</a:t>
+            </a:r>
+          </a:p>
+          <a:p>
+            <a:pPr lvl="1"/>
+            <a:r>
+              <a:rPr lang="en-US" sz="2800" dirty="0"/>
+              <a:t>Doc 3: We can see the shining sun the bright sun</a:t>
+            </a:r>
+          </a:p>
+        </p:txBody>
+      </p:sp>
+    </p:spTree>
+    <p:extLst>
+      <p:ext uri="{BB962C8B-B14F-4D97-AF65-F5344CB8AC3E}">
+        <p14:creationId xmlns:p14="http://schemas.microsoft.com/office/powerpoint/2010/main" val="2655532365"/>
+      </p:ext>
+    </p:extLst>
+  </p:cSld>
+  <p:clrMapOvr>
+    <a:masterClrMapping/>
+  </p:clrMapOvr>
+</p:sld>
+</file>
+
+<file path=ppt/slides/slide21.xml><?xml version="1.0" encoding="utf-8"?>
+<p:sld xmlns:a="http://schemas.openxmlformats.org/drawingml/2006/main" xmlns:r="http://schemas.openxmlformats.org/officeDocument/2006/relationships" xmlns:p="http://schemas.openxmlformats.org/presentationml/2006/main">
+  <p:cSld>
+    <p:spTree>
+      <p:nvGrpSpPr>
+        <p:cNvPr id="1" name=""/>
+        <p:cNvGrpSpPr/>
+        <p:nvPr/>
+      </p:nvGrpSpPr>
+      <p:grpSpPr>
+        <a:xfrm>
+          <a:off x="0" y="0"/>
+          <a:ext cx="0" cy="0"/>
+          <a:chOff x="0" y="0"/>
+          <a:chExt cx="0" cy="0"/>
+        </a:xfrm>
+      </p:grpSpPr>
+      <p:pic>
+        <p:nvPicPr>
+          <p:cNvPr id="5" name="Content Placeholder 4" descr="A screenshot of a test&#10;&#10;Description automatically generated with low confidence">
+            <a:extLst>
+              <a:ext uri="{FF2B5EF4-FFF2-40B4-BE49-F238E27FC236}">
+                <a16:creationId xmlns:a16="http://schemas.microsoft.com/office/drawing/2014/main" id="{7A63BACC-45A6-4A34-5DD1-AF9E65086134}"/>
+              </a:ext>
+            </a:extLst>
+          </p:cNvPr>
+          <p:cNvPicPr>
+            <a:picLocks noGrp="1" noChangeAspect="1"/>
+          </p:cNvPicPr>
+          <p:nvPr>
+            <p:ph idx="1"/>
+          </p:nvPr>
+        </p:nvPicPr>
+        <p:blipFill>
+          <a:blip r:embed="rId2"/>
+          <a:stretch>
+            <a:fillRect/>
+          </a:stretch>
+        </p:blipFill>
+        <p:spPr>
+          <a:xfrm>
+            <a:off x="2914197" y="692357"/>
+            <a:ext cx="6363606" cy="5473286"/>
+          </a:xfrm>
+        </p:spPr>
+      </p:pic>
+    </p:spTree>
+    <p:extLst>
+      <p:ext uri="{BB962C8B-B14F-4D97-AF65-F5344CB8AC3E}">
+        <p14:creationId xmlns:p14="http://schemas.microsoft.com/office/powerpoint/2010/main" val="4151052495"/>
+      </p:ext>
+    </p:extLst>
+  </p:cSld>
+  <p:clrMapOvr>
+    <a:masterClrMapping/>
+  </p:clrMapOvr>
+</p:sld>
+</file>
+
+<file path=ppt/slides/slide22.xml><?xml version="1.0" encoding="utf-8"?>
+<p:sld xmlns:a="http://schemas.openxmlformats.org/drawingml/2006/main" xmlns:r="http://schemas.openxmlformats.org/officeDocument/2006/relationships" xmlns:p="http://schemas.openxmlformats.org/presentationml/2006/main">
+  <p:cSld>
+    <p:spTree>
+      <p:nvGrpSpPr>
+        <p:cNvPr id="1" name=""/>
+        <p:cNvGrpSpPr/>
+        <p:nvPr/>
+      </p:nvGrpSpPr>
+      <p:grpSpPr>
+        <a:xfrm>
+          <a:off x="0" y="0"/>
+          <a:ext cx="0" cy="0"/>
+          <a:chOff x="0" y="0"/>
+          <a:chExt cx="0" cy="0"/>
+        </a:xfrm>
+      </p:grpSpPr>
+      <p:sp>
+        <p:nvSpPr>
+          <p:cNvPr id="2" name="Title 1">
+            <a:extLst>
+              <a:ext uri="{FF2B5EF4-FFF2-40B4-BE49-F238E27FC236}">
                 <a16:creationId xmlns:a16="http://schemas.microsoft.com/office/drawing/2014/main" id="{D4967561-7DBD-064F-24B8-EBD0211F0D0B}"/>
               </a:ext>
             </a:extLst>
@@ -7954,7 +8401,7 @@
 </p:sld>
 </file>
 
-<file path=ppt/slides/slide21.xml><?xml version="1.0" encoding="utf-8"?>
+<file path=ppt/slides/slide23.xml><?xml version="1.0" encoding="utf-8"?>
 <p:sld xmlns:a="http://schemas.openxmlformats.org/drawingml/2006/main" xmlns:r="http://schemas.openxmlformats.org/officeDocument/2006/relationships" xmlns:p="http://schemas.openxmlformats.org/presentationml/2006/main">
   <p:cSld>
     <p:spTree>
@@ -8070,7 +8517,7 @@
 </p:sld>
 </file>
 
-<file path=ppt/slides/slide22.xml><?xml version="1.0" encoding="utf-8"?>
+<file path=ppt/slides/slide24.xml><?xml version="1.0" encoding="utf-8"?>
 <p:sld xmlns:a="http://schemas.openxmlformats.org/drawingml/2006/main" xmlns:r="http://schemas.openxmlformats.org/officeDocument/2006/relationships" xmlns:p="http://schemas.openxmlformats.org/presentationml/2006/main">
   <p:cSld>
     <p:spTree>
@@ -8198,7 +8645,7 @@
 </p:sld>
 </file>
 
-<file path=ppt/slides/slide23.xml><?xml version="1.0" encoding="utf-8"?>
+<file path=ppt/slides/slide25.xml><?xml version="1.0" encoding="utf-8"?>
 <p:sld xmlns:a="http://schemas.openxmlformats.org/drawingml/2006/main" xmlns:r="http://schemas.openxmlformats.org/officeDocument/2006/relationships" xmlns:p="http://schemas.openxmlformats.org/presentationml/2006/main">
   <p:cSld>
     <p:spTree>
@@ -8597,7 +9044,7 @@
 </p:sld>
 </file>
 
-<file path=ppt/slides/slide24.xml><?xml version="1.0" encoding="utf-8"?>
+<file path=ppt/slides/slide26.xml><?xml version="1.0" encoding="utf-8"?>
 <p:sld xmlns:a="http://schemas.openxmlformats.org/drawingml/2006/main" xmlns:r="http://schemas.openxmlformats.org/officeDocument/2006/relationships" xmlns:p="http://schemas.openxmlformats.org/presentationml/2006/main">
   <p:cSld>
     <p:spTree>
@@ -9139,7 +9586,7 @@
 </p:sld>
 </file>
 
-<file path=ppt/slides/slide25.xml><?xml version="1.0" encoding="utf-8"?>
+<file path=ppt/slides/slide27.xml><?xml version="1.0" encoding="utf-8"?>
 <p:sld xmlns:a="http://schemas.openxmlformats.org/drawingml/2006/main" xmlns:r="http://schemas.openxmlformats.org/officeDocument/2006/relationships" xmlns:p="http://schemas.openxmlformats.org/presentationml/2006/main">
   <p:cSld>
     <p:spTree>
@@ -9184,8 +9631,8 @@
           </a:p>
         </p:txBody>
       </p:sp>
-      <mc:AlternateContent xmlns:mc="http://schemas.openxmlformats.org/markup-compatibility/2006">
-        <mc:Choice xmlns:a14="http://schemas.microsoft.com/office/drawing/2010/main" Requires="a14">
+      <mc:AlternateContent xmlns:mc="http://schemas.openxmlformats.org/markup-compatibility/2006" xmlns:a14="http://schemas.microsoft.com/office/drawing/2010/main">
+        <mc:Choice Requires="a14">
           <p:sp>
             <p:nvSpPr>
               <p:cNvPr id="3" name="Content Placeholder 2">
@@ -9205,7 +9652,7 @@
             <p:spPr/>
             <p:txBody>
               <a:bodyPr>
-                <a:normAutofit fontScale="92500" lnSpcReduction="20000"/>
+                <a:normAutofit fontScale="70000" lnSpcReduction="20000"/>
               </a:bodyPr>
               <a:lstStyle/>
               <a:p>
@@ -9278,7 +9725,7 @@
                         <m:sSub>
                           <m:sSubPr>
                             <m:ctrlPr>
-                              <a:rPr lang="en-US" sz="2800" b="0" i="0" smtClean="0">
+                              <a:rPr lang="en-US" sz="2800" b="0" i="1" smtClean="0">
                                 <a:latin typeface="Cambria Math" panose="02040503050406030204" pitchFamily="18" charset="0"/>
                               </a:rPr>
                             </m:ctrlPr>
@@ -9417,10 +9864,21 @@
                 </a14:m>
                 <a:endParaRPr lang="en-US" sz="2400" dirty="0"/>
               </a:p>
+              <a:p>
+                <a:pPr>
+                  <a:lnSpc>
+                    <a:spcPct val="200000"/>
+                  </a:lnSpc>
+                </a:pPr>
+                <a:r>
+                  <a:rPr lang="en-US" sz="2600" dirty="0"/>
+                  <a:t>Similarity: Code!</a:t>
+                </a:r>
+              </a:p>
             </p:txBody>
           </p:sp>
         </mc:Choice>
-        <mc:Fallback>
+        <mc:Fallback xmlns="">
           <p:sp>
             <p:nvSpPr>
               <p:cNvPr id="3" name="Content Placeholder 2">
@@ -9441,7 +9899,7 @@
               <a:blipFill>
                 <a:blip r:embed="rId2"/>
                 <a:stretch>
-                  <a:fillRect l="-757" t="-9688"/>
+                  <a:fillRect l="-378" t="-6875"/>
                 </a:stretch>
               </a:blipFill>
             </p:spPr>
@@ -9490,8 +9948,8 @@
           <a:chExt cx="0" cy="0"/>
         </a:xfrm>
       </p:grpSpPr>
-      <mc:AlternateContent xmlns:mc="http://schemas.openxmlformats.org/markup-compatibility/2006" xmlns:a14="http://schemas.microsoft.com/office/drawing/2010/main">
-        <mc:Choice Requires="a14">
+      <mc:AlternateContent xmlns:mc="http://schemas.openxmlformats.org/markup-compatibility/2006">
+        <mc:Choice xmlns:a14="http://schemas.microsoft.com/office/drawing/2010/main" Requires="a14">
           <p:sp>
             <p:nvSpPr>
               <p:cNvPr id="3" name="Content Placeholder 2">
@@ -9527,8 +9985,13 @@
                 </a:pPr>
                 <a:r>
                   <a:rPr lang="en-US" sz="3200" dirty="0"/>
-                  <a:t>Assume document is relevant if it has a lot of query terms</a:t>
+                  <a:t>Q. document is relevant if it has a lot of query terms</a:t>
                 </a:r>
+                <a:r>
+                  <a:rPr lang="en-US" sz="2800" dirty="0"/>
+                  <a:t>?</a:t>
+                </a:r>
+                <a:endParaRPr lang="en-US" sz="3200" dirty="0"/>
               </a:p>
               <a:p>
                 <a:pPr lvl="1">
@@ -9571,7 +10034,7 @@
                 </a:pPr>
                 <a:r>
                   <a:rPr lang="en-US" sz="3200" dirty="0"/>
-                  <a:t>Replace relevance with </a:t>
+                  <a:t>What about relevance with </a:t>
                 </a:r>
                 <a14:m>
                   <m:oMath xmlns:m="http://schemas.openxmlformats.org/officeDocument/2006/math">
@@ -9581,71 +10044,76 @@
                       </a:rPr>
                       <m:t>𝑠𝑖𝑚</m:t>
                     </m:r>
+                    <m:d>
+                      <m:dPr>
+                        <m:ctrlPr>
+                          <a:rPr lang="en-US" sz="3200" b="0" i="1" smtClean="0">
+                            <a:latin typeface="Cambria Math" panose="02040503050406030204" pitchFamily="18" charset="0"/>
+                          </a:rPr>
+                        </m:ctrlPr>
+                      </m:dPr>
+                      <m:e>
+                        <m:r>
+                          <a:rPr lang="en-US" sz="3200" b="0" i="1" smtClean="0">
+                            <a:latin typeface="Cambria Math" panose="02040503050406030204" pitchFamily="18" charset="0"/>
+                          </a:rPr>
+                          <m:t>𝑞</m:t>
+                        </m:r>
+                        <m:r>
+                          <a:rPr lang="en-US" sz="3200" b="0" i="1" smtClean="0">
+                            <a:latin typeface="Cambria Math" panose="02040503050406030204" pitchFamily="18" charset="0"/>
+                          </a:rPr>
+                          <m:t>,</m:t>
+                        </m:r>
+                        <m:sSub>
+                          <m:sSubPr>
+                            <m:ctrlPr>
+                              <a:rPr lang="en-US" sz="3200" b="0" i="1" smtClean="0">
+                                <a:latin typeface="Cambria Math" panose="02040503050406030204" pitchFamily="18" charset="0"/>
+                              </a:rPr>
+                            </m:ctrlPr>
+                          </m:sSubPr>
+                          <m:e>
+                            <m:r>
+                              <a:rPr lang="en-US" sz="3200" b="0" i="1" smtClean="0">
+                                <a:latin typeface="Cambria Math" panose="02040503050406030204" pitchFamily="18" charset="0"/>
+                              </a:rPr>
+                              <m:t>𝑑</m:t>
+                            </m:r>
+                          </m:e>
+                          <m:sub>
+                            <m:r>
+                              <a:rPr lang="en-US" sz="3200" b="0" i="1" smtClean="0">
+                                <a:latin typeface="Cambria Math" panose="02040503050406030204" pitchFamily="18" charset="0"/>
+                              </a:rPr>
+                              <m:t>𝑖</m:t>
+                            </m:r>
+                          </m:sub>
+                        </m:sSub>
+                      </m:e>
+                    </m:d>
                     <m:r>
                       <a:rPr lang="en-US" sz="3200" b="0" i="1" smtClean="0">
                         <a:latin typeface="Cambria Math" panose="02040503050406030204" pitchFamily="18" charset="0"/>
                       </a:rPr>
-                      <m:t>(</m:t>
-                    </m:r>
-                    <m:r>
-                      <a:rPr lang="en-US" sz="3200" b="0" i="1" smtClean="0">
-                        <a:latin typeface="Cambria Math" panose="02040503050406030204" pitchFamily="18" charset="0"/>
-                      </a:rPr>
-                      <m:t>𝑞</m:t>
-                    </m:r>
-                    <m:r>
-                      <a:rPr lang="en-US" sz="3200" b="0" i="1" smtClean="0">
-                        <a:latin typeface="Cambria Math" panose="02040503050406030204" pitchFamily="18" charset="0"/>
-                      </a:rPr>
-                      <m:t>,</m:t>
-                    </m:r>
-                    <m:sSub>
-                      <m:sSubPr>
-                        <m:ctrlPr>
-                          <a:rPr lang="en-US" sz="3200" b="0" i="1" smtClean="0">
-                            <a:latin typeface="Cambria Math" panose="02040503050406030204" pitchFamily="18" charset="0"/>
-                          </a:rPr>
-                        </m:ctrlPr>
-                      </m:sSubPr>
-                      <m:e>
-                        <m:r>
-                          <a:rPr lang="en-US" sz="3200" b="0" i="1" smtClean="0">
-                            <a:latin typeface="Cambria Math" panose="02040503050406030204" pitchFamily="18" charset="0"/>
-                          </a:rPr>
-                          <m:t>𝑑</m:t>
-                        </m:r>
-                      </m:e>
-                      <m:sub>
-                        <m:r>
-                          <a:rPr lang="en-US" sz="3200" b="0" i="1" smtClean="0">
-                            <a:latin typeface="Cambria Math" panose="02040503050406030204" pitchFamily="18" charset="0"/>
-                          </a:rPr>
-                          <m:t>𝑖</m:t>
-                        </m:r>
-                      </m:sub>
-                    </m:sSub>
-                    <m:r>
-                      <a:rPr lang="en-US" sz="3200" b="0" i="1" smtClean="0">
-                        <a:latin typeface="Cambria Math" panose="02040503050406030204" pitchFamily="18" charset="0"/>
-                      </a:rPr>
-                      <m:t>)</m:t>
+                      <m:t>?</m:t>
                     </m:r>
                   </m:oMath>
                 </a14:m>
                 <a:endParaRPr lang="en-US" sz="3200" dirty="0"/>
               </a:p>
               <a:p>
-                <a:pPr>
+                <a:pPr lvl="1">
                   <a:lnSpc>
                     <a:spcPct val="150000"/>
                   </a:lnSpc>
                 </a:pPr>
                 <a:r>
-                  <a:rPr lang="en-US" sz="3200" dirty="0"/>
+                  <a:rPr lang="en-US" sz="3000" dirty="0"/>
                   <a:t>Compute similarity of </a:t>
                 </a:r>
                 <a:r>
-                  <a:rPr lang="en-US" sz="3200" dirty="0">
+                  <a:rPr lang="en-US" sz="3000" dirty="0">
                     <a:solidFill>
                       <a:srgbClr val="FF0000"/>
                     </a:solidFill>
@@ -9653,14 +10121,14 @@
                   <a:t>vector</a:t>
                 </a:r>
                 <a:r>
-                  <a:rPr lang="en-US" sz="3200" dirty="0"/>
+                  <a:rPr lang="en-US" sz="3000" dirty="0"/>
                   <a:t> representations</a:t>
                 </a:r>
               </a:p>
             </p:txBody>
           </p:sp>
         </mc:Choice>
-        <mc:Fallback xmlns="">
+        <mc:Fallback>
           <p:sp>
             <p:nvSpPr>
               <p:cNvPr id="3" name="Content Placeholder 2">
@@ -9685,7 +10153,7 @@
               <a:blipFill>
                 <a:blip r:embed="rId2"/>
                 <a:stretch>
-                  <a:fillRect l="-1009" b="-2093"/>
+                  <a:fillRect l="-1009" r="-1135"/>
                 </a:stretch>
               </a:blipFill>
             </p:spPr>
@@ -9714,6 +10182,379 @@
   <p:clrMapOvr>
     <a:masterClrMapping/>
   </p:clrMapOvr>
+  <p:timing>
+    <p:tnLst>
+      <p:par>
+        <p:cTn id="1" dur="indefinite" restart="never" nodeType="tmRoot">
+          <p:childTnLst>
+            <p:seq concurrent="1" nextAc="seek">
+              <p:cTn id="2" dur="indefinite" nodeType="mainSeq">
+                <p:childTnLst>
+                  <p:par>
+                    <p:cTn id="3" fill="hold">
+                      <p:stCondLst>
+                        <p:cond delay="indefinite"/>
+                      </p:stCondLst>
+                      <p:childTnLst>
+                        <p:par>
+                          <p:cTn id="4" fill="hold">
+                            <p:stCondLst>
+                              <p:cond delay="0"/>
+                            </p:stCondLst>
+                            <p:childTnLst>
+                              <p:par>
+                                <p:cTn id="5" presetID="1" presetClass="entr" presetSubtype="0" fill="hold" nodeType="clickEffect">
+                                  <p:stCondLst>
+                                    <p:cond delay="0"/>
+                                  </p:stCondLst>
+                                  <p:childTnLst>
+                                    <p:set>
+                                      <p:cBhvr>
+                                        <p:cTn id="6" dur="1" fill="hold">
+                                          <p:stCondLst>
+                                            <p:cond delay="0"/>
+                                          </p:stCondLst>
+                                        </p:cTn>
+                                        <p:tgtEl>
+                                          <p:spTgt spid="3">
+                                            <p:txEl>
+                                              <p:pRg st="0" end="0"/>
+                                            </p:txEl>
+                                          </p:spTgt>
+                                        </p:tgtEl>
+                                        <p:attrNameLst>
+                                          <p:attrName>style.visibility</p:attrName>
+                                        </p:attrNameLst>
+                                      </p:cBhvr>
+                                      <p:to>
+                                        <p:strVal val="visible"/>
+                                      </p:to>
+                                    </p:set>
+                                  </p:childTnLst>
+                                </p:cTn>
+                              </p:par>
+                            </p:childTnLst>
+                          </p:cTn>
+                        </p:par>
+                      </p:childTnLst>
+                    </p:cTn>
+                  </p:par>
+                  <p:par>
+                    <p:cTn id="7" fill="hold">
+                      <p:stCondLst>
+                        <p:cond delay="indefinite"/>
+                      </p:stCondLst>
+                      <p:childTnLst>
+                        <p:par>
+                          <p:cTn id="8" fill="hold">
+                            <p:stCondLst>
+                              <p:cond delay="0"/>
+                            </p:stCondLst>
+                            <p:childTnLst>
+                              <p:par>
+                                <p:cTn id="9" presetID="1" presetClass="entr" presetSubtype="0" fill="hold" nodeType="clickEffect">
+                                  <p:stCondLst>
+                                    <p:cond delay="0"/>
+                                  </p:stCondLst>
+                                  <p:childTnLst>
+                                    <p:set>
+                                      <p:cBhvr>
+                                        <p:cTn id="10" dur="1" fill="hold">
+                                          <p:stCondLst>
+                                            <p:cond delay="0"/>
+                                          </p:stCondLst>
+                                        </p:cTn>
+                                        <p:tgtEl>
+                                          <p:spTgt spid="3">
+                                            <p:txEl>
+                                              <p:pRg st="1" end="1"/>
+                                            </p:txEl>
+                                          </p:spTgt>
+                                        </p:tgtEl>
+                                        <p:attrNameLst>
+                                          <p:attrName>style.visibility</p:attrName>
+                                        </p:attrNameLst>
+                                      </p:cBhvr>
+                                      <p:to>
+                                        <p:strVal val="visible"/>
+                                      </p:to>
+                                    </p:set>
+                                  </p:childTnLst>
+                                </p:cTn>
+                              </p:par>
+                            </p:childTnLst>
+                          </p:cTn>
+                        </p:par>
+                      </p:childTnLst>
+                    </p:cTn>
+                  </p:par>
+                  <p:par>
+                    <p:cTn id="11" fill="hold">
+                      <p:stCondLst>
+                        <p:cond delay="indefinite"/>
+                      </p:stCondLst>
+                      <p:childTnLst>
+                        <p:par>
+                          <p:cTn id="12" fill="hold">
+                            <p:stCondLst>
+                              <p:cond delay="0"/>
+                            </p:stCondLst>
+                            <p:childTnLst>
+                              <p:par>
+                                <p:cTn id="13" presetID="1" presetClass="entr" presetSubtype="0" fill="hold" nodeType="clickEffect">
+                                  <p:stCondLst>
+                                    <p:cond delay="0"/>
+                                  </p:stCondLst>
+                                  <p:childTnLst>
+                                    <p:set>
+                                      <p:cBhvr>
+                                        <p:cTn id="14" dur="1" fill="hold">
+                                          <p:stCondLst>
+                                            <p:cond delay="0"/>
+                                          </p:stCondLst>
+                                        </p:cTn>
+                                        <p:tgtEl>
+                                          <p:spTgt spid="3">
+                                            <p:txEl>
+                                              <p:pRg st="2" end="2"/>
+                                            </p:txEl>
+                                          </p:spTgt>
+                                        </p:tgtEl>
+                                        <p:attrNameLst>
+                                          <p:attrName>style.visibility</p:attrName>
+                                        </p:attrNameLst>
+                                      </p:cBhvr>
+                                      <p:to>
+                                        <p:strVal val="visible"/>
+                                      </p:to>
+                                    </p:set>
+                                  </p:childTnLst>
+                                </p:cTn>
+                              </p:par>
+                            </p:childTnLst>
+                          </p:cTn>
+                        </p:par>
+                      </p:childTnLst>
+                    </p:cTn>
+                  </p:par>
+                  <p:par>
+                    <p:cTn id="15" fill="hold">
+                      <p:stCondLst>
+                        <p:cond delay="indefinite"/>
+                      </p:stCondLst>
+                      <p:childTnLst>
+                        <p:par>
+                          <p:cTn id="16" fill="hold">
+                            <p:stCondLst>
+                              <p:cond delay="0"/>
+                            </p:stCondLst>
+                            <p:childTnLst>
+                              <p:par>
+                                <p:cTn id="17" presetID="1" presetClass="entr" presetSubtype="0" fill="hold" nodeType="clickEffect">
+                                  <p:stCondLst>
+                                    <p:cond delay="0"/>
+                                  </p:stCondLst>
+                                  <p:childTnLst>
+                                    <p:set>
+                                      <p:cBhvr>
+                                        <p:cTn id="18" dur="1" fill="hold">
+                                          <p:stCondLst>
+                                            <p:cond delay="0"/>
+                                          </p:stCondLst>
+                                        </p:cTn>
+                                        <p:tgtEl>
+                                          <p:spTgt spid="3">
+                                            <p:txEl>
+                                              <p:pRg st="3" end="3"/>
+                                            </p:txEl>
+                                          </p:spTgt>
+                                        </p:tgtEl>
+                                        <p:attrNameLst>
+                                          <p:attrName>style.visibility</p:attrName>
+                                        </p:attrNameLst>
+                                      </p:cBhvr>
+                                      <p:to>
+                                        <p:strVal val="visible"/>
+                                      </p:to>
+                                    </p:set>
+                                  </p:childTnLst>
+                                </p:cTn>
+                              </p:par>
+                            </p:childTnLst>
+                          </p:cTn>
+                        </p:par>
+                      </p:childTnLst>
+                    </p:cTn>
+                  </p:par>
+                  <p:par>
+                    <p:cTn id="19" fill="hold">
+                      <p:stCondLst>
+                        <p:cond delay="indefinite"/>
+                      </p:stCondLst>
+                      <p:childTnLst>
+                        <p:par>
+                          <p:cTn id="20" fill="hold">
+                            <p:stCondLst>
+                              <p:cond delay="0"/>
+                            </p:stCondLst>
+                            <p:childTnLst>
+                              <p:par>
+                                <p:cTn id="21" presetID="1" presetClass="entr" presetSubtype="0" fill="hold" nodeType="clickEffect">
+                                  <p:stCondLst>
+                                    <p:cond delay="0"/>
+                                  </p:stCondLst>
+                                  <p:childTnLst>
+                                    <p:set>
+                                      <p:cBhvr>
+                                        <p:cTn id="22" dur="1" fill="hold">
+                                          <p:stCondLst>
+                                            <p:cond delay="0"/>
+                                          </p:stCondLst>
+                                        </p:cTn>
+                                        <p:tgtEl>
+                                          <p:spTgt spid="3">
+                                            <p:txEl>
+                                              <p:pRg st="4" end="4"/>
+                                            </p:txEl>
+                                          </p:spTgt>
+                                        </p:tgtEl>
+                                        <p:attrNameLst>
+                                          <p:attrName>style.visibility</p:attrName>
+                                        </p:attrNameLst>
+                                      </p:cBhvr>
+                                      <p:to>
+                                        <p:strVal val="visible"/>
+                                      </p:to>
+                                    </p:set>
+                                  </p:childTnLst>
+                                </p:cTn>
+                              </p:par>
+                            </p:childTnLst>
+                          </p:cTn>
+                        </p:par>
+                      </p:childTnLst>
+                    </p:cTn>
+                  </p:par>
+                  <p:par>
+                    <p:cTn id="23" fill="hold">
+                      <p:stCondLst>
+                        <p:cond delay="indefinite"/>
+                      </p:stCondLst>
+                      <p:childTnLst>
+                        <p:par>
+                          <p:cTn id="24" fill="hold">
+                            <p:stCondLst>
+                              <p:cond delay="0"/>
+                            </p:stCondLst>
+                            <p:childTnLst>
+                              <p:par>
+                                <p:cTn id="25" presetID="1" presetClass="entr" presetSubtype="0" fill="hold" nodeType="clickEffect">
+                                  <p:stCondLst>
+                                    <p:cond delay="0"/>
+                                  </p:stCondLst>
+                                  <p:childTnLst>
+                                    <p:set>
+                                      <p:cBhvr>
+                                        <p:cTn id="26" dur="1" fill="hold">
+                                          <p:stCondLst>
+                                            <p:cond delay="0"/>
+                                          </p:stCondLst>
+                                        </p:cTn>
+                                        <p:tgtEl>
+                                          <p:spTgt spid="3">
+                                            <p:txEl>
+                                              <p:pRg st="5" end="5"/>
+                                            </p:txEl>
+                                          </p:spTgt>
+                                        </p:tgtEl>
+                                        <p:attrNameLst>
+                                          <p:attrName>style.visibility</p:attrName>
+                                        </p:attrNameLst>
+                                      </p:cBhvr>
+                                      <p:to>
+                                        <p:strVal val="visible"/>
+                                      </p:to>
+                                    </p:set>
+                                  </p:childTnLst>
+                                </p:cTn>
+                              </p:par>
+                            </p:childTnLst>
+                          </p:cTn>
+                        </p:par>
+                      </p:childTnLst>
+                    </p:cTn>
+                  </p:par>
+                  <p:par>
+                    <p:cTn id="27" fill="hold">
+                      <p:stCondLst>
+                        <p:cond delay="indefinite"/>
+                      </p:stCondLst>
+                      <p:childTnLst>
+                        <p:par>
+                          <p:cTn id="28" fill="hold">
+                            <p:stCondLst>
+                              <p:cond delay="0"/>
+                            </p:stCondLst>
+                            <p:childTnLst>
+                              <p:par>
+                                <p:cTn id="29" presetID="1" presetClass="entr" presetSubtype="0" fill="hold" nodeType="clickEffect">
+                                  <p:stCondLst>
+                                    <p:cond delay="0"/>
+                                  </p:stCondLst>
+                                  <p:childTnLst>
+                                    <p:set>
+                                      <p:cBhvr>
+                                        <p:cTn id="30" dur="1" fill="hold">
+                                          <p:stCondLst>
+                                            <p:cond delay="0"/>
+                                          </p:stCondLst>
+                                        </p:cTn>
+                                        <p:tgtEl>
+                                          <p:spTgt spid="3">
+                                            <p:txEl>
+                                              <p:pRg st="5" end="5"/>
+                                            </p:txEl>
+                                          </p:spTgt>
+                                        </p:tgtEl>
+                                        <p:attrNameLst>
+                                          <p:attrName>style.visibility</p:attrName>
+                                        </p:attrNameLst>
+                                      </p:cBhvr>
+                                      <p:to>
+                                        <p:strVal val="visible"/>
+                                      </p:to>
+                                    </p:set>
+                                  </p:childTnLst>
+                                </p:cTn>
+                              </p:par>
+                            </p:childTnLst>
+                          </p:cTn>
+                        </p:par>
+                      </p:childTnLst>
+                    </p:cTn>
+                  </p:par>
+                </p:childTnLst>
+              </p:cTn>
+              <p:prevCondLst>
+                <p:cond evt="onPrev" delay="0">
+                  <p:tgtEl>
+                    <p:sldTgt/>
+                  </p:tgtEl>
+                </p:cond>
+              </p:prevCondLst>
+              <p:nextCondLst>
+                <p:cond evt="onNext" delay="0">
+                  <p:tgtEl>
+                    <p:sldTgt/>
+                  </p:tgtEl>
+                </p:cond>
+              </p:nextCondLst>
+            </p:seq>
+          </p:childTnLst>
+        </p:cTn>
+      </p:par>
+    </p:tnLst>
+  </p:timing>
 </p:sld>
 </file>
 
@@ -9787,18 +10628,18 @@
           <a:p>
             <a:pPr>
               <a:lnSpc>
-                <a:spcPct val="150000"/>
+                <a:spcPct val="200000"/>
               </a:lnSpc>
             </a:pPr>
             <a:r>
               <a:rPr lang="en-US" sz="2400" dirty="0"/>
-              <a:t>Central problem in NLP is how to store /represent / query text</a:t>
+              <a:t>Central problem in NLP is how to store / represent / query text</a:t>
             </a:r>
           </a:p>
           <a:p>
             <a:pPr>
               <a:lnSpc>
-                <a:spcPct val="150000"/>
+                <a:spcPct val="200000"/>
               </a:lnSpc>
             </a:pPr>
             <a:r>
@@ -9809,21 +10650,13 @@
           <a:p>
             <a:pPr>
               <a:lnSpc>
-                <a:spcPct val="150000"/>
+                <a:spcPct val="200000"/>
               </a:lnSpc>
             </a:pPr>
             <a:r>
               <a:rPr lang="en-US" sz="2400" dirty="0"/>
               <a:t>Modern NLP typically uses vector representations</a:t>
             </a:r>
-          </a:p>
-          <a:p>
-            <a:pPr>
-              <a:lnSpc>
-                <a:spcPct val="150000"/>
-              </a:lnSpc>
-            </a:pPr>
-            <a:endParaRPr lang="en-US" sz="2400" dirty="0"/>
           </a:p>
         </p:txBody>
       </p:sp>
@@ -9885,8 +10718,8 @@
           </a:p>
         </p:txBody>
       </p:sp>
-      <mc:AlternateContent xmlns:mc="http://schemas.openxmlformats.org/markup-compatibility/2006">
-        <mc:Choice xmlns:a14="http://schemas.microsoft.com/office/drawing/2010/main" Requires="a14">
+      <mc:AlternateContent xmlns:mc="http://schemas.openxmlformats.org/markup-compatibility/2006" xmlns:a14="http://schemas.microsoft.com/office/drawing/2010/main">
+        <mc:Choice Requires="a14">
           <p:sp>
             <p:nvSpPr>
               <p:cNvPr id="3" name="Content Placeholder 2">
@@ -9906,36 +10739,59 @@
             <p:spPr/>
             <p:txBody>
               <a:bodyPr>
-                <a:normAutofit/>
+                <a:normAutofit fontScale="85000" lnSpcReduction="20000"/>
               </a:bodyPr>
               <a:lstStyle/>
               <a:p>
+                <a:pPr>
+                  <a:lnSpc>
+                    <a:spcPct val="150000"/>
+                  </a:lnSpc>
+                </a:pPr>
                 <a:r>
                   <a:rPr lang="en-US" sz="2800" dirty="0"/>
                   <a:t>Consider how to represent a document</a:t>
                 </a:r>
               </a:p>
               <a:p>
+                <a:pPr>
+                  <a:lnSpc>
+                    <a:spcPct val="150000"/>
+                  </a:lnSpc>
+                </a:pPr>
                 <a:r>
                   <a:rPr lang="en-US" sz="2800" dirty="0"/>
                   <a:t>One way is to assign each term in a document a weight</a:t>
                 </a:r>
               </a:p>
               <a:p>
+                <a:pPr>
+                  <a:lnSpc>
+                    <a:spcPct val="150000"/>
+                  </a:lnSpc>
+                </a:pPr>
                 <a:r>
                   <a:rPr lang="en-US" sz="2800" dirty="0"/>
                   <a:t>Thus far, view a document as a sequence of terms</a:t>
                 </a:r>
               </a:p>
               <a:p>
-                <a:pPr lvl="1"/>
+                <a:pPr lvl="1">
+                  <a:lnSpc>
+                    <a:spcPct val="150000"/>
+                  </a:lnSpc>
+                </a:pPr>
                 <a:r>
                   <a:rPr lang="en-US" sz="2400" dirty="0"/>
                   <a:t>assign a weight equal to the number of occurrences of term t in d</a:t>
                 </a:r>
               </a:p>
               <a:p>
-                <a:pPr lvl="1"/>
+                <a:pPr lvl="1">
+                  <a:lnSpc>
+                    <a:spcPct val="150000"/>
+                  </a:lnSpc>
+                </a:pPr>
                 <a:r>
                   <a:rPr lang="en-US" sz="2400" dirty="0"/>
                   <a:t>called term frequency, </a:t>
@@ -9987,6 +10843,11 @@
                 <a:endParaRPr lang="en-US" sz="2400" dirty="0"/>
               </a:p>
               <a:p>
+                <a:pPr>
+                  <a:lnSpc>
+                    <a:spcPct val="150000"/>
+                  </a:lnSpc>
+                </a:pPr>
                 <a:r>
                   <a:rPr lang="en-US" sz="2800" dirty="0"/>
                   <a:t>In this view of a document, known in the literature as </a:t>
@@ -9998,6 +10859,9 @@
               </a:p>
               <a:p>
                 <a:pPr marL="0" indent="0">
+                  <a:lnSpc>
+                    <a:spcPct val="150000"/>
+                  </a:lnSpc>
                   <a:buNone/>
                 </a:pPr>
                 <a:endParaRPr lang="en-US" sz="2800" i="1" dirty="0"/>
@@ -10005,7 +10869,7 @@
             </p:txBody>
           </p:sp>
         </mc:Choice>
-        <mc:Fallback>
+        <mc:Fallback xmlns="">
           <p:sp>
             <p:nvSpPr>
               <p:cNvPr id="3" name="Content Placeholder 2">
@@ -10026,7 +10890,7 @@
               <a:blipFill>
                 <a:blip r:embed="rId2"/>
                 <a:stretch>
-                  <a:fillRect l="-757" t="-2813"/>
+                  <a:fillRect l="-631" r="-883"/>
                 </a:stretch>
               </a:blipFill>
             </p:spPr>
@@ -10059,6 +10923,133 @@
 </file>
 
 <file path=ppt/slides/slide6.xml><?xml version="1.0" encoding="utf-8"?>
+<p:sld xmlns:a="http://schemas.openxmlformats.org/drawingml/2006/main" xmlns:r="http://schemas.openxmlformats.org/officeDocument/2006/relationships" xmlns:p="http://schemas.openxmlformats.org/presentationml/2006/main">
+  <p:cSld>
+    <p:spTree>
+      <p:nvGrpSpPr>
+        <p:cNvPr id="1" name=""/>
+        <p:cNvGrpSpPr/>
+        <p:nvPr/>
+      </p:nvGrpSpPr>
+      <p:grpSpPr>
+        <a:xfrm>
+          <a:off x="0" y="0"/>
+          <a:ext cx="0" cy="0"/>
+          <a:chOff x="0" y="0"/>
+          <a:chExt cx="0" cy="0"/>
+        </a:xfrm>
+      </p:grpSpPr>
+      <p:sp>
+        <p:nvSpPr>
+          <p:cNvPr id="2" name="Title 1">
+            <a:extLst>
+              <a:ext uri="{FF2B5EF4-FFF2-40B4-BE49-F238E27FC236}">
+                <a16:creationId xmlns:a16="http://schemas.microsoft.com/office/drawing/2014/main" id="{54FC10CD-C658-376D-4F87-6C352C637F37}"/>
+              </a:ext>
+            </a:extLst>
+          </p:cNvPr>
+          <p:cNvSpPr>
+            <a:spLocks noGrp="1"/>
+          </p:cNvSpPr>
+          <p:nvPr>
+            <p:ph type="title"/>
+          </p:nvPr>
+        </p:nvSpPr>
+        <p:spPr/>
+        <p:txBody>
+          <a:bodyPr/>
+          <a:lstStyle/>
+          <a:p>
+            <a:endParaRPr lang="en-US"/>
+          </a:p>
+        </p:txBody>
+      </p:sp>
+      <p:sp>
+        <p:nvSpPr>
+          <p:cNvPr id="3" name="Content Placeholder 2">
+            <a:extLst>
+              <a:ext uri="{FF2B5EF4-FFF2-40B4-BE49-F238E27FC236}">
+                <a16:creationId xmlns:a16="http://schemas.microsoft.com/office/drawing/2014/main" id="{AEE1AC0F-2087-21FD-4F6E-225B4072C186}"/>
+              </a:ext>
+            </a:extLst>
+          </p:cNvPr>
+          <p:cNvSpPr>
+            <a:spLocks noGrp="1"/>
+          </p:cNvSpPr>
+          <p:nvPr>
+            <p:ph idx="1"/>
+          </p:nvPr>
+        </p:nvSpPr>
+        <p:spPr/>
+        <p:txBody>
+          <a:bodyPr/>
+          <a:lstStyle/>
+          <a:p>
+            <a:endParaRPr lang="en-US"/>
+          </a:p>
+        </p:txBody>
+      </p:sp>
+      <p:pic>
+        <p:nvPicPr>
+          <p:cNvPr id="1026" name="Picture 2">
+            <a:extLst>
+              <a:ext uri="{FF2B5EF4-FFF2-40B4-BE49-F238E27FC236}">
+                <a16:creationId xmlns:a16="http://schemas.microsoft.com/office/drawing/2014/main" id="{8B9F0AD5-27D9-7430-73B5-8D1177BBD681}"/>
+              </a:ext>
+            </a:extLst>
+          </p:cNvPr>
+          <p:cNvPicPr>
+            <a:picLocks noChangeAspect="1" noChangeArrowheads="1"/>
+          </p:cNvPicPr>
+          <p:nvPr/>
+        </p:nvPicPr>
+        <p:blipFill>
+          <a:blip r:embed="rId2">
+            <a:extLst>
+              <a:ext uri="{28A0092B-C50C-407E-A947-70E740481C1C}">
+                <a14:useLocalDpi xmlns:a14="http://schemas.microsoft.com/office/drawing/2010/main" val="0"/>
+              </a:ext>
+            </a:extLst>
+          </a:blip>
+          <a:srcRect/>
+          <a:stretch>
+            <a:fillRect/>
+          </a:stretch>
+        </p:blipFill>
+        <p:spPr bwMode="auto">
+          <a:xfrm>
+            <a:off x="4373563" y="0"/>
+            <a:ext cx="3443287" cy="6858000"/>
+          </a:xfrm>
+          <a:prstGeom prst="rect">
+            <a:avLst/>
+          </a:prstGeom>
+          <a:noFill/>
+          <a:extLst>
+            <a:ext uri="{909E8E84-426E-40DD-AFC4-6F175D3DCCD1}">
+              <a14:hiddenFill xmlns:a14="http://schemas.microsoft.com/office/drawing/2010/main">
+                <a:solidFill>
+                  <a:srgbClr val="FFFFFF"/>
+                </a:solidFill>
+              </a14:hiddenFill>
+            </a:ext>
+          </a:extLst>
+        </p:spPr>
+      </p:pic>
+    </p:spTree>
+    <p:extLst>
+      <p:ext uri="{BB962C8B-B14F-4D97-AF65-F5344CB8AC3E}">
+        <p14:creationId xmlns:p14="http://schemas.microsoft.com/office/powerpoint/2010/main" val="1477250181"/>
+      </p:ext>
+    </p:extLst>
+  </p:cSld>
+  <p:clrMapOvr>
+    <a:masterClrMapping/>
+  </p:clrMapOvr>
+</p:sld>
+</file>
+
+<file path=ppt/slides/slide7.xml><?xml version="1.0" encoding="utf-8"?>
 <p:sld xmlns:a="http://schemas.openxmlformats.org/drawingml/2006/main" xmlns:r="http://schemas.openxmlformats.org/officeDocument/2006/relationships" xmlns:p="http://schemas.openxmlformats.org/presentationml/2006/main">
   <p:cSld>
     <p:spTree>
@@ -10558,7 +11549,7 @@
 </p:sld>
 </file>
 
-<file path=ppt/slides/slide7.xml><?xml version="1.0" encoding="utf-8"?>
+<file path=ppt/slides/slide8.xml><?xml version="1.0" encoding="utf-8"?>
 <p:sld xmlns:a="http://schemas.openxmlformats.org/drawingml/2006/main" xmlns:r="http://schemas.openxmlformats.org/officeDocument/2006/relationships" xmlns:p="http://schemas.openxmlformats.org/presentationml/2006/main">
   <p:cSld>
     <p:spTree>
@@ -10692,7 +11683,7 @@
 </p:sld>
 </file>
 
-<file path=ppt/slides/slide8.xml><?xml version="1.0" encoding="utf-8"?>
+<file path=ppt/slides/slide9.xml><?xml version="1.0" encoding="utf-8"?>
 <p:sld xmlns:a="http://schemas.openxmlformats.org/drawingml/2006/main" xmlns:r="http://schemas.openxmlformats.org/officeDocument/2006/relationships" xmlns:p="http://schemas.openxmlformats.org/presentationml/2006/main">
   <p:cSld>
     <p:spTree>
@@ -11243,343 +12234,6 @@
 </p:sld>
 </file>
 
-<file path=ppt/slides/slide9.xml><?xml version="1.0" encoding="utf-8"?>
-<p:sld xmlns:a="http://schemas.openxmlformats.org/drawingml/2006/main" xmlns:r="http://schemas.openxmlformats.org/officeDocument/2006/relationships" xmlns:p="http://schemas.openxmlformats.org/presentationml/2006/main">
-  <p:cSld>
-    <p:spTree>
-      <p:nvGrpSpPr>
-        <p:cNvPr id="1" name=""/>
-        <p:cNvGrpSpPr/>
-        <p:nvPr/>
-      </p:nvGrpSpPr>
-      <p:grpSpPr>
-        <a:xfrm>
-          <a:off x="0" y="0"/>
-          <a:ext cx="0" cy="0"/>
-          <a:chOff x="0" y="0"/>
-          <a:chExt cx="0" cy="0"/>
-        </a:xfrm>
-      </p:grpSpPr>
-      <mc:AlternateContent xmlns:mc="http://schemas.openxmlformats.org/markup-compatibility/2006" xmlns:a14="http://schemas.microsoft.com/office/drawing/2010/main">
-        <mc:Choice Requires="a14">
-          <p:sp>
-            <p:nvSpPr>
-              <p:cNvPr id="3" name="Content Placeholder 2">
-                <a:extLst>
-                  <a:ext uri="{FF2B5EF4-FFF2-40B4-BE49-F238E27FC236}">
-                    <a16:creationId xmlns:a16="http://schemas.microsoft.com/office/drawing/2014/main" id="{875C8943-9FB9-9CD2-E02E-DAA67F1AF5CC}"/>
-                  </a:ext>
-                </a:extLst>
-              </p:cNvPr>
-              <p:cNvSpPr>
-                <a:spLocks noGrp="1"/>
-              </p:cNvSpPr>
-              <p:nvPr>
-                <p:ph idx="1"/>
-              </p:nvPr>
-            </p:nvSpPr>
-            <p:spPr>
-              <a:xfrm>
-                <a:off x="1069848" y="725214"/>
-                <a:ext cx="10058400" cy="5446986"/>
-              </a:xfrm>
-            </p:spPr>
-            <p:txBody>
-              <a:bodyPr>
-                <a:normAutofit fontScale="92500" lnSpcReduction="10000"/>
-              </a:bodyPr>
-              <a:lstStyle/>
-              <a:p>
-                <a:pPr>
-                  <a:lnSpc>
-                    <a:spcPct val="150000"/>
-                  </a:lnSpc>
-                </a:pPr>
-                <a:r>
-                  <a:rPr lang="en-US" sz="2800" dirty="0"/>
-                  <a:t>So what’s the problem of bag of words model?</a:t>
-                </a:r>
-              </a:p>
-              <a:p>
-                <a:pPr>
-                  <a:lnSpc>
-                    <a:spcPct val="150000"/>
-                  </a:lnSpc>
-                </a:pPr>
-                <a:r>
-                  <a:rPr lang="en-US" sz="2800" dirty="0"/>
-                  <a:t>We may need to implement a mechanism to reduce the impact of frequently occurring terms in the collection</a:t>
-                </a:r>
-              </a:p>
-              <a:p>
-                <a:pPr lvl="1">
-                  <a:lnSpc>
-                    <a:spcPct val="150000"/>
-                  </a:lnSpc>
-                </a:pPr>
-                <a:r>
-                  <a:rPr lang="en-US" sz="2400" dirty="0"/>
-                  <a:t>Document frequency </a:t>
-                </a:r>
-                <a14:m>
-                  <m:oMath xmlns:m="http://schemas.openxmlformats.org/officeDocument/2006/math">
-                    <m:sSub>
-                      <m:sSubPr>
-                        <m:ctrlPr>
-                          <a:rPr lang="en-US" sz="2400" b="0" i="1" smtClean="0">
-                            <a:latin typeface="Cambria Math" panose="02040503050406030204" pitchFamily="18" charset="0"/>
-                          </a:rPr>
-                        </m:ctrlPr>
-                      </m:sSubPr>
-                      <m:e>
-                        <m:r>
-                          <m:rPr>
-                            <m:sty m:val="p"/>
-                          </m:rPr>
-                          <a:rPr lang="en-US" sz="2400" b="0" i="0" smtClean="0">
-                            <a:latin typeface="Cambria Math" panose="02040503050406030204" pitchFamily="18" charset="0"/>
-                          </a:rPr>
-                          <m:t>df</m:t>
-                        </m:r>
-                      </m:e>
-                      <m:sub>
-                        <m:r>
-                          <a:rPr lang="en-US" sz="2400" b="0" i="1" smtClean="0">
-                            <a:latin typeface="Cambria Math" panose="02040503050406030204" pitchFamily="18" charset="0"/>
-                          </a:rPr>
-                          <m:t>𝑡</m:t>
-                        </m:r>
-                      </m:sub>
-                    </m:sSub>
-                  </m:oMath>
-                </a14:m>
-                <a:r>
-                  <a:rPr lang="en-US" sz="2400" dirty="0"/>
-                  <a:t>: the number of documents in the collection including a term t</a:t>
-                </a:r>
-              </a:p>
-              <a:p>
-                <a:pPr>
-                  <a:lnSpc>
-                    <a:spcPct val="150000"/>
-                  </a:lnSpc>
-                </a:pPr>
-                <a:r>
-                  <a:rPr lang="en-US" sz="2800" dirty="0"/>
-                  <a:t>Define the inverse document frequency (</a:t>
-                </a:r>
-                <a:r>
-                  <a:rPr lang="en-US" sz="2800" dirty="0" err="1"/>
-                  <a:t>idf</a:t>
-                </a:r>
-                <a:r>
-                  <a:rPr lang="en-US" sz="2800" dirty="0"/>
-                  <a:t>) of a term t</a:t>
-                </a:r>
-              </a:p>
-              <a:p>
-                <a:pPr lvl="1">
-                  <a:lnSpc>
-                    <a:spcPct val="150000"/>
-                  </a:lnSpc>
-                </a:pPr>
-                <a14:m>
-                  <m:oMath xmlns:m="http://schemas.openxmlformats.org/officeDocument/2006/math">
-                    <m:sSub>
-                      <m:sSubPr>
-                        <m:ctrlPr>
-                          <a:rPr lang="en-US" sz="2400" b="0" i="1" smtClean="0">
-                            <a:latin typeface="Cambria Math" panose="02040503050406030204" pitchFamily="18" charset="0"/>
-                          </a:rPr>
-                        </m:ctrlPr>
-                      </m:sSubPr>
-                      <m:e>
-                        <m:r>
-                          <m:rPr>
-                            <m:sty m:val="p"/>
-                          </m:rPr>
-                          <a:rPr lang="en-US" sz="2400" b="0" i="0" smtClean="0">
-                            <a:latin typeface="Cambria Math" panose="02040503050406030204" pitchFamily="18" charset="0"/>
-                          </a:rPr>
-                          <m:t>idf</m:t>
-                        </m:r>
-                      </m:e>
-                      <m:sub>
-                        <m:r>
-                          <a:rPr lang="en-US" sz="2400" b="0" i="1" smtClean="0">
-                            <a:latin typeface="Cambria Math" panose="02040503050406030204" pitchFamily="18" charset="0"/>
-                          </a:rPr>
-                          <m:t>𝑡</m:t>
-                        </m:r>
-                      </m:sub>
-                    </m:sSub>
-                    <m:r>
-                      <a:rPr lang="en-US" sz="2400" b="0" i="1" smtClean="0">
-                        <a:latin typeface="Cambria Math" panose="02040503050406030204" pitchFamily="18" charset="0"/>
-                      </a:rPr>
-                      <m:t>=</m:t>
-                    </m:r>
-                    <m:func>
-                      <m:funcPr>
-                        <m:ctrlPr>
-                          <a:rPr lang="en-US" sz="2400" b="0" i="1" smtClean="0">
-                            <a:latin typeface="Cambria Math" panose="02040503050406030204" pitchFamily="18" charset="0"/>
-                          </a:rPr>
-                        </m:ctrlPr>
-                      </m:funcPr>
-                      <m:fName>
-                        <m:r>
-                          <m:rPr>
-                            <m:sty m:val="p"/>
-                          </m:rPr>
-                          <a:rPr lang="en-US" sz="2400" b="0" i="0" smtClean="0">
-                            <a:latin typeface="Cambria Math" panose="02040503050406030204" pitchFamily="18" charset="0"/>
-                          </a:rPr>
-                          <m:t>log</m:t>
-                        </m:r>
-                      </m:fName>
-                      <m:e>
-                        <m:f>
-                          <m:fPr>
-                            <m:ctrlPr>
-                              <a:rPr lang="en-US" sz="2400" b="0" i="1" smtClean="0">
-                                <a:latin typeface="Cambria Math" panose="02040503050406030204" pitchFamily="18" charset="0"/>
-                              </a:rPr>
-                            </m:ctrlPr>
-                          </m:fPr>
-                          <m:num>
-                            <m:r>
-                              <a:rPr lang="en-US" sz="2400" b="0" i="1" smtClean="0">
-                                <a:latin typeface="Cambria Math" panose="02040503050406030204" pitchFamily="18" charset="0"/>
-                              </a:rPr>
-                              <m:t>𝑁</m:t>
-                            </m:r>
-                          </m:num>
-                          <m:den>
-                            <m:sSub>
-                              <m:sSubPr>
-                                <m:ctrlPr>
-                                  <a:rPr lang="en-US" sz="2400" b="0" i="1" smtClean="0">
-                                    <a:latin typeface="Cambria Math" panose="02040503050406030204" pitchFamily="18" charset="0"/>
-                                  </a:rPr>
-                                </m:ctrlPr>
-                              </m:sSubPr>
-                              <m:e>
-                                <m:r>
-                                  <m:rPr>
-                                    <m:sty m:val="p"/>
-                                  </m:rPr>
-                                  <a:rPr lang="en-US" sz="2400" b="0" i="0" smtClean="0">
-                                    <a:latin typeface="Cambria Math" panose="02040503050406030204" pitchFamily="18" charset="0"/>
-                                  </a:rPr>
-                                  <m:t>df</m:t>
-                                </m:r>
-                              </m:e>
-                              <m:sub>
-                                <m:r>
-                                  <m:rPr>
-                                    <m:sty m:val="p"/>
-                                  </m:rPr>
-                                  <a:rPr lang="en-US" sz="2400" b="0" i="0" smtClean="0">
-                                    <a:latin typeface="Cambria Math" panose="02040503050406030204" pitchFamily="18" charset="0"/>
-                                  </a:rPr>
-                                  <m:t>t</m:t>
-                                </m:r>
-                              </m:sub>
-                            </m:sSub>
-                            <m:r>
-                              <a:rPr lang="en-US" sz="2400" b="0" i="1" smtClean="0">
-                                <a:latin typeface="Cambria Math" panose="02040503050406030204" pitchFamily="18" charset="0"/>
-                              </a:rPr>
-                              <m:t> </m:t>
-                            </m:r>
-                          </m:den>
-                        </m:f>
-                      </m:e>
-                    </m:func>
-                  </m:oMath>
-                </a14:m>
-                <a:endParaRPr lang="en-US" sz="2400" dirty="0"/>
-              </a:p>
-              <a:p>
-                <a:pPr>
-                  <a:lnSpc>
-                    <a:spcPct val="150000"/>
-                  </a:lnSpc>
-                </a:pPr>
-                <a:r>
-                  <a:rPr lang="en-US" sz="2800" dirty="0"/>
-                  <a:t>How is this used to scale the term weight?</a:t>
-                </a:r>
-              </a:p>
-              <a:p>
-                <a:pPr>
-                  <a:lnSpc>
-                    <a:spcPct val="150000"/>
-                  </a:lnSpc>
-                </a:pPr>
-                <a:endParaRPr lang="en-US" sz="2800" dirty="0"/>
-              </a:p>
-            </p:txBody>
-          </p:sp>
-        </mc:Choice>
-        <mc:Fallback xmlns="">
-          <p:sp>
-            <p:nvSpPr>
-              <p:cNvPr id="3" name="Content Placeholder 2">
-                <a:extLst>
-                  <a:ext uri="{FF2B5EF4-FFF2-40B4-BE49-F238E27FC236}">
-                    <a16:creationId xmlns:a16="http://schemas.microsoft.com/office/drawing/2014/main" id="{875C8943-9FB9-9CD2-E02E-DAA67F1AF5CC}"/>
-                  </a:ext>
-                </a:extLst>
-              </p:cNvPr>
-              <p:cNvSpPr>
-                <a:spLocks noGrp="1" noRot="1" noChangeAspect="1" noMove="1" noResize="1" noEditPoints="1" noAdjustHandles="1" noChangeArrowheads="1" noChangeShapeType="1" noTextEdit="1"/>
-              </p:cNvSpPr>
-              <p:nvPr>
-                <p:ph idx="1"/>
-              </p:nvPr>
-            </p:nvSpPr>
-            <p:spPr>
-              <a:xfrm>
-                <a:off x="1069848" y="725214"/>
-                <a:ext cx="10058400" cy="5446986"/>
-              </a:xfrm>
-              <a:blipFill>
-                <a:blip r:embed="rId2"/>
-                <a:stretch>
-                  <a:fillRect l="-757"/>
-                </a:stretch>
-              </a:blipFill>
-            </p:spPr>
-            <p:txBody>
-              <a:bodyPr/>
-              <a:lstStyle/>
-              <a:p>
-                <a:r>
-                  <a:rPr lang="en-US">
-                    <a:noFill/>
-                  </a:rPr>
-                  <a:t> </a:t>
-                </a:r>
-              </a:p>
-            </p:txBody>
-          </p:sp>
-        </mc:Fallback>
-      </mc:AlternateContent>
-    </p:spTree>
-    <p:extLst>
-      <p:ext uri="{BB962C8B-B14F-4D97-AF65-F5344CB8AC3E}">
-        <p14:creationId xmlns:p14="http://schemas.microsoft.com/office/powerpoint/2010/main" val="2086715165"/>
-      </p:ext>
-    </p:extLst>
-  </p:cSld>
-  <p:clrMapOvr>
-    <a:masterClrMapping/>
-  </p:clrMapOvr>
-</p:sld>
-</file>
-
 <file path=ppt/theme/theme1.xml><?xml version="1.0" encoding="utf-8"?>
 <a:theme xmlns:a="http://schemas.openxmlformats.org/drawingml/2006/main" name="Wood Type">
   <a:themeElements>
